--- a/AGA312 Assessment 2 Template.pptx
+++ b/AGA312 Assessment 2 Template.pptx
@@ -3102,6 +3102,14 @@
 <file path=ppt/slides/slide1.xml><?xml version="1.0" encoding="utf-8"?>
 <p:sld xmlns:a="http://schemas.openxmlformats.org/drawingml/2006/main" xmlns:r="http://schemas.openxmlformats.org/officeDocument/2006/relationships" xmlns:p="http://schemas.openxmlformats.org/presentationml/2006/main">
   <p:cSld>
+    <p:bg>
+      <p:bgPr>
+        <a:solidFill>
+          <a:schemeClr val="bg1"/>
+        </a:solidFill>
+        <a:effectLst/>
+      </p:bgPr>
+    </p:bg>
     <p:spTree>
       <p:nvGrpSpPr>
         <p:cNvPr id="1" name=""/>
@@ -3116,6 +3124,418 @@
           <a:chExt cx="0" cy="0"/>
         </a:xfrm>
       </p:grpSpPr>
+      <p:pic>
+        <p:nvPicPr>
+          <p:cNvPr id="5" name="Picture 4">
+            <a:extLst>
+              <a:ext uri="{FF2B5EF4-FFF2-40B4-BE49-F238E27FC236}">
+                <a16:creationId xmlns:a16="http://schemas.microsoft.com/office/drawing/2014/main" id="{B5889BCA-6930-D763-328F-0C50B1B6EAB4}"/>
+              </a:ext>
+            </a:extLst>
+          </p:cNvPr>
+          <p:cNvPicPr>
+            <a:picLocks noChangeAspect="1"/>
+          </p:cNvPicPr>
+          <p:nvPr/>
+        </p:nvPicPr>
+        <p:blipFill>
+          <a:blip r:embed="rId2"/>
+          <a:srcRect l="288" r="-2" b="-2"/>
+          <a:stretch/>
+        </p:blipFill>
+        <p:spPr>
+          <a:xfrm>
+            <a:off x="-2585" y="10"/>
+            <a:ext cx="9146585" cy="5159798"/>
+          </a:xfrm>
+          <a:prstGeom prst="rect">
+            <a:avLst/>
+          </a:prstGeom>
+        </p:spPr>
+      </p:pic>
+      <p:sp>
+        <p:nvSpPr>
+          <p:cNvPr id="9" name="Rectangle 8">
+            <a:extLst>
+              <a:ext uri="{FF2B5EF4-FFF2-40B4-BE49-F238E27FC236}">
+                <a16:creationId xmlns:a16="http://schemas.microsoft.com/office/drawing/2014/main" id="{4D60F200-5EB0-B223-2439-C96C67F0FEE1}"/>
+              </a:ext>
+              <a:ext uri="{C183D7F6-B498-43B3-948B-1728B52AA6E4}">
+                <adec:decorative xmlns:adec="http://schemas.microsoft.com/office/drawing/2017/decorative" val="1"/>
+              </a:ext>
+            </a:extLst>
+          </p:cNvPr>
+          <p:cNvSpPr>
+            <a:spLocks noGrp="1" noRot="1" noChangeAspect="1" noMove="1" noResize="1" noEditPoints="1" noAdjustHandles="1" noChangeArrowheads="1" noChangeShapeType="1" noTextEdit="1"/>
+          </p:cNvSpPr>
+          <p:nvPr>
+            <p:extLst>
+              <p:ext uri="{386F3935-93C4-4BCD-93E2-E3B085C9AB24}">
+                <p16:designElem xmlns:p16="http://schemas.microsoft.com/office/powerpoint/2015/main" val="1"/>
+              </p:ext>
+            </p:extLst>
+          </p:nvPr>
+        </p:nvSpPr>
+        <p:spPr>
+          <a:xfrm rot="16200000">
+            <a:off x="3442061" y="-550493"/>
+            <a:ext cx="2265657" cy="9154947"/>
+          </a:xfrm>
+          <a:prstGeom prst="rect">
+            <a:avLst/>
+          </a:prstGeom>
+          <a:gradFill flip="none" rotWithShape="1">
+            <a:gsLst>
+              <a:gs pos="21000">
+                <a:srgbClr val="000000">
+                  <a:alpha val="62000"/>
+                </a:srgbClr>
+              </a:gs>
+              <a:gs pos="100000">
+                <a:srgbClr val="000000">
+                  <a:alpha val="0"/>
+                </a:srgbClr>
+              </a:gs>
+            </a:gsLst>
+            <a:lin ang="0" scaled="0"/>
+            <a:tileRect/>
+          </a:gradFill>
+          <a:ln>
+            <a:noFill/>
+          </a:ln>
+        </p:spPr>
+        <p:style>
+          <a:lnRef idx="2">
+            <a:schemeClr val="accent1">
+              <a:shade val="50000"/>
+            </a:schemeClr>
+          </a:lnRef>
+          <a:fillRef idx="1">
+            <a:schemeClr val="accent1"/>
+          </a:fillRef>
+          <a:effectRef idx="0">
+            <a:schemeClr val="accent1"/>
+          </a:effectRef>
+          <a:fontRef idx="minor">
+            <a:schemeClr val="lt1"/>
+          </a:fontRef>
+        </p:style>
+        <p:txBody>
+          <a:bodyPr rtlCol="0" anchor="ctr"/>
+          <a:lstStyle/>
+          <a:p>
+            <a:pPr algn="ctr"/>
+            <a:endParaRPr lang="en-US"/>
+          </a:p>
+        </p:txBody>
+      </p:sp>
+      <p:sp>
+        <p:nvSpPr>
+          <p:cNvPr id="11" name="Rectangle 10">
+            <a:extLst>
+              <a:ext uri="{FF2B5EF4-FFF2-40B4-BE49-F238E27FC236}">
+                <a16:creationId xmlns:a16="http://schemas.microsoft.com/office/drawing/2014/main" id="{A6567EA8-C72D-4B9B-D23F-6B2E9F9C9F47}"/>
+              </a:ext>
+              <a:ext uri="{C183D7F6-B498-43B3-948B-1728B52AA6E4}">
+                <adec:decorative xmlns:adec="http://schemas.microsoft.com/office/drawing/2017/decorative" val="1"/>
+              </a:ext>
+            </a:extLst>
+          </p:cNvPr>
+          <p:cNvSpPr>
+            <a:spLocks noGrp="1" noRot="1" noChangeAspect="1" noMove="1" noResize="1" noEditPoints="1" noAdjustHandles="1" noChangeArrowheads="1" noChangeShapeType="1" noTextEdit="1"/>
+          </p:cNvSpPr>
+          <p:nvPr>
+            <p:extLst>
+              <p:ext uri="{386F3935-93C4-4BCD-93E2-E3B085C9AB24}">
+                <p16:designElem xmlns:p16="http://schemas.microsoft.com/office/powerpoint/2015/main" val="1"/>
+              </p:ext>
+            </p:extLst>
+          </p:nvPr>
+        </p:nvSpPr>
+        <p:spPr>
+          <a:xfrm rot="10800000">
+            <a:off x="-2584" y="0"/>
+            <a:ext cx="2132551" cy="5159808"/>
+          </a:xfrm>
+          <a:prstGeom prst="rect">
+            <a:avLst/>
+          </a:prstGeom>
+          <a:gradFill flip="none" rotWithShape="1">
+            <a:gsLst>
+              <a:gs pos="5000">
+                <a:schemeClr val="accent2"/>
+              </a:gs>
+              <a:gs pos="49000">
+                <a:schemeClr val="accent5">
+                  <a:lumMod val="60000"/>
+                  <a:lumOff val="40000"/>
+                  <a:alpha val="0"/>
+                </a:schemeClr>
+              </a:gs>
+            </a:gsLst>
+            <a:lin ang="9600000" scaled="0"/>
+            <a:tileRect/>
+          </a:gradFill>
+          <a:ln>
+            <a:noFill/>
+          </a:ln>
+        </p:spPr>
+        <p:style>
+          <a:lnRef idx="2">
+            <a:schemeClr val="accent1">
+              <a:shade val="50000"/>
+            </a:schemeClr>
+          </a:lnRef>
+          <a:fillRef idx="1">
+            <a:schemeClr val="accent1"/>
+          </a:fillRef>
+          <a:effectRef idx="0">
+            <a:schemeClr val="accent1"/>
+          </a:effectRef>
+          <a:fontRef idx="minor">
+            <a:schemeClr val="lt1"/>
+          </a:fontRef>
+        </p:style>
+        <p:txBody>
+          <a:bodyPr rtlCol="0" anchor="ctr"/>
+          <a:lstStyle/>
+          <a:p>
+            <a:pPr algn="ctr"/>
+            <a:endParaRPr lang="en-US"/>
+          </a:p>
+        </p:txBody>
+      </p:sp>
+      <p:sp>
+        <p:nvSpPr>
+          <p:cNvPr id="13" name="Rectangle 12">
+            <a:extLst>
+              <a:ext uri="{FF2B5EF4-FFF2-40B4-BE49-F238E27FC236}">
+                <a16:creationId xmlns:a16="http://schemas.microsoft.com/office/drawing/2014/main" id="{FEFBFA78-9360-1E01-5448-6D5AE0A32601}"/>
+              </a:ext>
+              <a:ext uri="{C183D7F6-B498-43B3-948B-1728B52AA6E4}">
+                <adec:decorative xmlns:adec="http://schemas.microsoft.com/office/drawing/2017/decorative" val="1"/>
+              </a:ext>
+            </a:extLst>
+          </p:cNvPr>
+          <p:cNvSpPr>
+            <a:spLocks noGrp="1" noRot="1" noChangeAspect="1" noMove="1" noResize="1" noEditPoints="1" noAdjustHandles="1" noChangeArrowheads="1" noChangeShapeType="1" noTextEdit="1"/>
+          </p:cNvSpPr>
+          <p:nvPr>
+            <p:extLst>
+              <p:ext uri="{386F3935-93C4-4BCD-93E2-E3B085C9AB24}">
+                <p16:designElem xmlns:p16="http://schemas.microsoft.com/office/powerpoint/2015/main" val="1"/>
+              </p:ext>
+            </p:extLst>
+          </p:nvPr>
+        </p:nvSpPr>
+        <p:spPr>
+          <a:xfrm rot="10800000">
+            <a:off x="6779028" y="16302"/>
+            <a:ext cx="2364646" cy="5143506"/>
+          </a:xfrm>
+          <a:prstGeom prst="rect">
+            <a:avLst/>
+          </a:prstGeom>
+          <a:gradFill flip="none" rotWithShape="1">
+            <a:gsLst>
+              <a:gs pos="5000">
+                <a:schemeClr val="accent5">
+                  <a:alpha val="48000"/>
+                </a:schemeClr>
+              </a:gs>
+              <a:gs pos="42000">
+                <a:schemeClr val="accent5">
+                  <a:alpha val="0"/>
+                </a:schemeClr>
+              </a:gs>
+            </a:gsLst>
+            <a:lin ang="1800000" scaled="0"/>
+            <a:tileRect/>
+          </a:gradFill>
+          <a:ln>
+            <a:noFill/>
+          </a:ln>
+        </p:spPr>
+        <p:style>
+          <a:lnRef idx="2">
+            <a:schemeClr val="accent1">
+              <a:shade val="50000"/>
+            </a:schemeClr>
+          </a:lnRef>
+          <a:fillRef idx="1">
+            <a:schemeClr val="accent1"/>
+          </a:fillRef>
+          <a:effectRef idx="0">
+            <a:schemeClr val="accent1"/>
+          </a:effectRef>
+          <a:fontRef idx="minor">
+            <a:schemeClr val="lt1"/>
+          </a:fontRef>
+        </p:style>
+        <p:txBody>
+          <a:bodyPr rtlCol="0" anchor="ctr"/>
+          <a:lstStyle/>
+          <a:p>
+            <a:pPr algn="ctr"/>
+            <a:endParaRPr lang="en-US"/>
+          </a:p>
+        </p:txBody>
+      </p:sp>
+      <p:sp>
+        <p:nvSpPr>
+          <p:cNvPr id="15" name="Rectangle 14">
+            <a:extLst>
+              <a:ext uri="{FF2B5EF4-FFF2-40B4-BE49-F238E27FC236}">
+                <a16:creationId xmlns:a16="http://schemas.microsoft.com/office/drawing/2014/main" id="{1740453C-744F-DB3A-47EC-15EACE1DC117}"/>
+              </a:ext>
+              <a:ext uri="{C183D7F6-B498-43B3-948B-1728B52AA6E4}">
+                <adec:decorative xmlns:adec="http://schemas.microsoft.com/office/drawing/2017/decorative" val="1"/>
+              </a:ext>
+            </a:extLst>
+          </p:cNvPr>
+          <p:cNvSpPr>
+            <a:spLocks noGrp="1" noRot="1" noChangeAspect="1" noMove="1" noResize="1" noEditPoints="1" noAdjustHandles="1" noChangeArrowheads="1" noChangeShapeType="1" noTextEdit="1"/>
+          </p:cNvSpPr>
+          <p:nvPr>
+            <p:extLst>
+              <p:ext uri="{386F3935-93C4-4BCD-93E2-E3B085C9AB24}">
+                <p16:designElem xmlns:p16="http://schemas.microsoft.com/office/powerpoint/2015/main" val="1"/>
+              </p:ext>
+            </p:extLst>
+          </p:nvPr>
+        </p:nvSpPr>
+        <p:spPr>
+          <a:xfrm rot="10800000">
+            <a:off x="-2585" y="3966324"/>
+            <a:ext cx="9149779" cy="1193484"/>
+          </a:xfrm>
+          <a:prstGeom prst="rect">
+            <a:avLst/>
+          </a:prstGeom>
+          <a:gradFill flip="none" rotWithShape="1">
+            <a:gsLst>
+              <a:gs pos="0">
+                <a:schemeClr val="accent2"/>
+              </a:gs>
+              <a:gs pos="49000">
+                <a:schemeClr val="accent2">
+                  <a:alpha val="0"/>
+                </a:schemeClr>
+              </a:gs>
+            </a:gsLst>
+            <a:lin ang="5880000" scaled="0"/>
+            <a:tileRect/>
+          </a:gradFill>
+          <a:ln w="12700" cap="flat" cmpd="sng" algn="ctr">
+            <a:noFill/>
+            <a:prstDash val="solid"/>
+            <a:miter lim="800000"/>
+          </a:ln>
+          <a:effectLst/>
+        </p:spPr>
+        <p:style>
+          <a:lnRef idx="2">
+            <a:schemeClr val="accent1">
+              <a:shade val="50000"/>
+            </a:schemeClr>
+          </a:lnRef>
+          <a:fillRef idx="1">
+            <a:schemeClr val="accent1"/>
+          </a:fillRef>
+          <a:effectRef idx="0">
+            <a:schemeClr val="accent1"/>
+          </a:effectRef>
+          <a:fontRef idx="minor">
+            <a:schemeClr val="lt1"/>
+          </a:fontRef>
+        </p:style>
+        <p:txBody>
+          <a:bodyPr rtlCol="0" anchor="ctr"/>
+          <a:lstStyle/>
+          <a:p>
+            <a:pPr algn="r"/>
+            <a:endParaRPr lang="en-US"/>
+          </a:p>
+        </p:txBody>
+      </p:sp>
+      <p:sp>
+        <p:nvSpPr>
+          <p:cNvPr id="17" name="Rectangle 16">
+            <a:extLst>
+              <a:ext uri="{FF2B5EF4-FFF2-40B4-BE49-F238E27FC236}">
+                <a16:creationId xmlns:a16="http://schemas.microsoft.com/office/drawing/2014/main" id="{B6924B03-77BD-EAE3-2854-43363FF8E6BB}"/>
+              </a:ext>
+              <a:ext uri="{C183D7F6-B498-43B3-948B-1728B52AA6E4}">
+                <adec:decorative xmlns:adec="http://schemas.microsoft.com/office/drawing/2017/decorative" val="1"/>
+              </a:ext>
+            </a:extLst>
+          </p:cNvPr>
+          <p:cNvSpPr>
+            <a:spLocks noGrp="1" noRot="1" noChangeAspect="1" noMove="1" noResize="1" noEditPoints="1" noAdjustHandles="1" noChangeArrowheads="1" noChangeShapeType="1" noTextEdit="1"/>
+          </p:cNvSpPr>
+          <p:nvPr>
+            <p:extLst>
+              <p:ext uri="{386F3935-93C4-4BCD-93E2-E3B085C9AB24}">
+                <p16:designElem xmlns:p16="http://schemas.microsoft.com/office/powerpoint/2015/main" val="1"/>
+              </p:ext>
+            </p:extLst>
+          </p:nvPr>
+        </p:nvSpPr>
+        <p:spPr>
+          <a:xfrm rot="5400000">
+            <a:off x="588447" y="1668697"/>
+            <a:ext cx="2900080" cy="4082144"/>
+          </a:xfrm>
+          <a:prstGeom prst="rect">
+            <a:avLst/>
+          </a:prstGeom>
+          <a:gradFill flip="none" rotWithShape="1">
+            <a:gsLst>
+              <a:gs pos="0">
+                <a:schemeClr val="accent5"/>
+              </a:gs>
+              <a:gs pos="54000">
+                <a:schemeClr val="accent5">
+                  <a:lumMod val="60000"/>
+                  <a:lumOff val="40000"/>
+                  <a:alpha val="0"/>
+                </a:schemeClr>
+              </a:gs>
+            </a:gsLst>
+            <a:path path="circle">
+              <a:fillToRect l="100000" t="100000"/>
+            </a:path>
+            <a:tileRect r="-100000" b="-100000"/>
+          </a:gradFill>
+          <a:ln>
+            <a:noFill/>
+          </a:ln>
+        </p:spPr>
+        <p:style>
+          <a:lnRef idx="2">
+            <a:schemeClr val="accent1">
+              <a:shade val="50000"/>
+            </a:schemeClr>
+          </a:lnRef>
+          <a:fillRef idx="1">
+            <a:schemeClr val="accent1"/>
+          </a:fillRef>
+          <a:effectRef idx="0">
+            <a:schemeClr val="accent1"/>
+          </a:effectRef>
+          <a:fontRef idx="minor">
+            <a:schemeClr val="lt1"/>
+          </a:fontRef>
+        </p:style>
+        <p:txBody>
+          <a:bodyPr rtlCol="0" anchor="ctr"/>
+          <a:lstStyle/>
+          <a:p>
+            <a:pPr algn="ctr"/>
+            <a:endParaRPr lang="en-US"/>
+          </a:p>
+        </p:txBody>
+      </p:sp>
       <p:sp>
         <p:nvSpPr>
           <p:cNvPr id="2" name="Title 1"/>
@@ -3126,14 +3546,26 @@
             <p:ph type="ctrTitle"/>
           </p:nvPr>
         </p:nvSpPr>
-        <p:spPr/>
-        <p:txBody>
-          <a:bodyPr/>
-          <a:lstStyle/>
-          <a:p>
-            <a:r>
-              <a:rPr lang="en-AU" dirty="0"/>
-              <a:t>Game title</a:t>
+        <p:spPr>
+          <a:xfrm>
+            <a:off x="644271" y="3091458"/>
+            <a:ext cx="5945838" cy="1215498"/>
+          </a:xfrm>
+        </p:spPr>
+        <p:txBody>
+          <a:bodyPr>
+            <a:normAutofit/>
+          </a:bodyPr>
+          <a:lstStyle/>
+          <a:p>
+            <a:pPr algn="l"/>
+            <a:r>
+              <a:rPr lang="en-AU" sz="3000" dirty="0">
+                <a:solidFill>
+                  <a:srgbClr val="FFFFFF"/>
+                </a:solidFill>
+              </a:rPr>
+              <a:t>!!Emergency!!</a:t>
             </a:r>
           </a:p>
         </p:txBody>
@@ -3148,18 +3580,26 @@
             <p:ph type="subTitle" idx="1"/>
           </p:nvPr>
         </p:nvSpPr>
-        <p:spPr/>
-        <p:txBody>
-          <a:bodyPr/>
-          <a:lstStyle/>
-          <a:p>
-            <a:r>
-              <a:rPr lang="en-AU" dirty="0" err="1"/>
-              <a:t>Yeongrin</a:t>
-            </a:r>
-            <a:r>
-              <a:rPr lang="en-AU" dirty="0"/>
-              <a:t> Jeon</a:t>
+        <p:spPr>
+          <a:xfrm>
+            <a:off x="644271" y="4303400"/>
+            <a:ext cx="5956785" cy="463859"/>
+          </a:xfrm>
+        </p:spPr>
+        <p:txBody>
+          <a:bodyPr>
+            <a:normAutofit/>
+          </a:bodyPr>
+          <a:lstStyle/>
+          <a:p>
+            <a:pPr algn="l"/>
+            <a:r>
+              <a:rPr lang="en-AU" sz="1500">
+                <a:solidFill>
+                  <a:srgbClr val="FFFFFF"/>
+                </a:solidFill>
+              </a:rPr>
+              <a:t>Yeongrin Jeon</a:t>
             </a:r>
           </a:p>
         </p:txBody>
@@ -3180,6 +3620,14 @@
 <file path=ppt/slides/slide2.xml><?xml version="1.0" encoding="utf-8"?>
 <p:sld xmlns:a="http://schemas.openxmlformats.org/drawingml/2006/main" xmlns:r="http://schemas.openxmlformats.org/officeDocument/2006/relationships" xmlns:p="http://schemas.openxmlformats.org/presentationml/2006/main">
   <p:cSld>
+    <p:bg>
+      <p:bgPr>
+        <a:solidFill>
+          <a:schemeClr val="bg1"/>
+        </a:solidFill>
+        <a:effectLst/>
+      </p:bgPr>
+    </p:bg>
     <p:spTree>
       <p:nvGrpSpPr>
         <p:cNvPr id="1" name=""/>
@@ -3194,6 +3642,200 @@
           <a:chExt cx="0" cy="0"/>
         </a:xfrm>
       </p:grpSpPr>
+      <p:sp useBgFill="1">
+        <p:nvSpPr>
+          <p:cNvPr id="8" name="Rectangle 7">
+            <a:extLst>
+              <a:ext uri="{FF2B5EF4-FFF2-40B4-BE49-F238E27FC236}">
+                <a16:creationId xmlns:a16="http://schemas.microsoft.com/office/drawing/2014/main" id="{907EF6B7-1338-4443-8C46-6A318D952DFD}"/>
+              </a:ext>
+              <a:ext uri="{C183D7F6-B498-43B3-948B-1728B52AA6E4}">
+                <adec:decorative xmlns:adec="http://schemas.microsoft.com/office/drawing/2017/decorative" val="1"/>
+              </a:ext>
+            </a:extLst>
+          </p:cNvPr>
+          <p:cNvSpPr>
+            <a:spLocks noGrp="1" noRot="1" noChangeAspect="1" noMove="1" noResize="1" noEditPoints="1" noAdjustHandles="1" noChangeArrowheads="1" noChangeShapeType="1" noTextEdit="1"/>
+          </p:cNvSpPr>
+          <p:nvPr>
+            <p:extLst>
+              <p:ext uri="{386F3935-93C4-4BCD-93E2-E3B085C9AB24}">
+                <p16:designElem xmlns:p16="http://schemas.microsoft.com/office/powerpoint/2015/main" val="1"/>
+              </p:ext>
+            </p:extLst>
+          </p:nvPr>
+        </p:nvSpPr>
+        <p:spPr>
+          <a:xfrm>
+            <a:off x="2286" y="0"/>
+            <a:ext cx="9141714" cy="5143500"/>
+          </a:xfrm>
+          <a:prstGeom prst="rect">
+            <a:avLst/>
+          </a:prstGeom>
+          <a:ln>
+            <a:noFill/>
+          </a:ln>
+        </p:spPr>
+        <p:style>
+          <a:lnRef idx="2">
+            <a:schemeClr val="accent1">
+              <a:shade val="50000"/>
+            </a:schemeClr>
+          </a:lnRef>
+          <a:fillRef idx="1">
+            <a:schemeClr val="accent1"/>
+          </a:fillRef>
+          <a:effectRef idx="0">
+            <a:schemeClr val="accent1"/>
+          </a:effectRef>
+          <a:fontRef idx="minor">
+            <a:schemeClr val="lt1"/>
+          </a:fontRef>
+        </p:style>
+        <p:txBody>
+          <a:bodyPr rtlCol="0" anchor="ctr"/>
+          <a:lstStyle/>
+          <a:p>
+            <a:pPr algn="ctr"/>
+            <a:endParaRPr lang="en-US"/>
+          </a:p>
+        </p:txBody>
+      </p:sp>
+      <p:sp>
+        <p:nvSpPr>
+          <p:cNvPr id="10" name="Freeform: Shape 9">
+            <a:extLst>
+              <a:ext uri="{FF2B5EF4-FFF2-40B4-BE49-F238E27FC236}">
+                <a16:creationId xmlns:a16="http://schemas.microsoft.com/office/drawing/2014/main" id="{DAAE4CDD-124C-4DCF-9584-B6033B545DD5}"/>
+              </a:ext>
+              <a:ext uri="{C183D7F6-B498-43B3-948B-1728B52AA6E4}">
+                <adec:decorative xmlns:adec="http://schemas.microsoft.com/office/drawing/2017/decorative" val="1"/>
+              </a:ext>
+            </a:extLst>
+          </p:cNvPr>
+          <p:cNvSpPr>
+            <a:spLocks noGrp="1" noRot="1" noChangeAspect="1" noMove="1" noResize="1" noEditPoints="1" noAdjustHandles="1" noChangeArrowheads="1" noChangeShapeType="1" noTextEdit="1"/>
+          </p:cNvSpPr>
+          <p:nvPr>
+            <p:extLst>
+              <p:ext uri="{386F3935-93C4-4BCD-93E2-E3B085C9AB24}">
+                <p16:designElem xmlns:p16="http://schemas.microsoft.com/office/powerpoint/2015/main" val="1"/>
+              </p:ext>
+            </p:extLst>
+          </p:nvPr>
+        </p:nvSpPr>
+        <p:spPr>
+          <a:xfrm>
+            <a:off x="0" y="0"/>
+            <a:ext cx="3125454" cy="5143500"/>
+          </a:xfrm>
+          <a:custGeom>
+            <a:avLst/>
+            <a:gdLst>
+              <a:gd name="connsiteX0" fmla="*/ 0 w 4167271"/>
+              <a:gd name="connsiteY0" fmla="*/ 0 h 6858000"/>
+              <a:gd name="connsiteX1" fmla="*/ 2259550 w 4167271"/>
+              <a:gd name="connsiteY1" fmla="*/ 0 h 6858000"/>
+              <a:gd name="connsiteX2" fmla="*/ 2387803 w 4167271"/>
+              <a:gd name="connsiteY2" fmla="*/ 82222 h 6858000"/>
+              <a:gd name="connsiteX3" fmla="*/ 4167271 w 4167271"/>
+              <a:gd name="connsiteY3" fmla="*/ 3429000 h 6858000"/>
+              <a:gd name="connsiteX4" fmla="*/ 2387803 w 4167271"/>
+              <a:gd name="connsiteY4" fmla="*/ 6775779 h 6858000"/>
+              <a:gd name="connsiteX5" fmla="*/ 2259550 w 4167271"/>
+              <a:gd name="connsiteY5" fmla="*/ 6858000 h 6858000"/>
+              <a:gd name="connsiteX6" fmla="*/ 0 w 4167271"/>
+              <a:gd name="connsiteY6" fmla="*/ 6858000 h 6858000"/>
+            </a:gdLst>
+            <a:ahLst/>
+            <a:cxnLst>
+              <a:cxn ang="0">
+                <a:pos x="connsiteX0" y="connsiteY0"/>
+              </a:cxn>
+              <a:cxn ang="0">
+                <a:pos x="connsiteX1" y="connsiteY1"/>
+              </a:cxn>
+              <a:cxn ang="0">
+                <a:pos x="connsiteX2" y="connsiteY2"/>
+              </a:cxn>
+              <a:cxn ang="0">
+                <a:pos x="connsiteX3" y="connsiteY3"/>
+              </a:cxn>
+              <a:cxn ang="0">
+                <a:pos x="connsiteX4" y="connsiteY4"/>
+              </a:cxn>
+              <a:cxn ang="0">
+                <a:pos x="connsiteX5" y="connsiteY5"/>
+              </a:cxn>
+              <a:cxn ang="0">
+                <a:pos x="connsiteX6" y="connsiteY6"/>
+              </a:cxn>
+            </a:cxnLst>
+            <a:rect l="l" t="t" r="r" b="b"/>
+            <a:pathLst>
+              <a:path w="4167271" h="6858000">
+                <a:moveTo>
+                  <a:pt x="0" y="0"/>
+                </a:moveTo>
+                <a:lnTo>
+                  <a:pt x="2259550" y="0"/>
+                </a:lnTo>
+                <a:lnTo>
+                  <a:pt x="2387803" y="82222"/>
+                </a:lnTo>
+                <a:cubicBezTo>
+                  <a:pt x="3461407" y="807534"/>
+                  <a:pt x="4167271" y="2035835"/>
+                  <a:pt x="4167271" y="3429000"/>
+                </a:cubicBezTo>
+                <a:cubicBezTo>
+                  <a:pt x="4167271" y="4822165"/>
+                  <a:pt x="3461407" y="6050467"/>
+                  <a:pt x="2387803" y="6775779"/>
+                </a:cubicBezTo>
+                <a:lnTo>
+                  <a:pt x="2259550" y="6858000"/>
+                </a:lnTo>
+                <a:lnTo>
+                  <a:pt x="0" y="6858000"/>
+                </a:lnTo>
+                <a:close/>
+              </a:path>
+            </a:pathLst>
+          </a:custGeom>
+          <a:solidFill>
+            <a:schemeClr val="accent2"/>
+          </a:solidFill>
+          <a:ln>
+            <a:noFill/>
+          </a:ln>
+        </p:spPr>
+        <p:style>
+          <a:lnRef idx="2">
+            <a:schemeClr val="accent1">
+              <a:shade val="50000"/>
+            </a:schemeClr>
+          </a:lnRef>
+          <a:fillRef idx="1">
+            <a:schemeClr val="accent1"/>
+          </a:fillRef>
+          <a:effectRef idx="0">
+            <a:schemeClr val="accent1"/>
+          </a:effectRef>
+          <a:fontRef idx="minor">
+            <a:schemeClr val="lt1"/>
+          </a:fontRef>
+        </p:style>
+        <p:txBody>
+          <a:bodyPr rtlCol="0" anchor="ctr"/>
+          <a:lstStyle/>
+          <a:p>
+            <a:pPr algn="ctr"/>
+            <a:endParaRPr lang="en-US"/>
+          </a:p>
+        </p:txBody>
+      </p:sp>
       <p:sp>
         <p:nvSpPr>
           <p:cNvPr id="2" name="Title 1"/>
@@ -3204,82 +3846,196 @@
             <p:ph type="title"/>
           </p:nvPr>
         </p:nvSpPr>
-        <p:spPr/>
-        <p:txBody>
-          <a:bodyPr/>
-          <a:lstStyle/>
-          <a:p>
-            <a:r>
-              <a:rPr lang="en-AU" dirty="0"/>
-              <a:t>Story/Objective</a:t>
-            </a:r>
-          </a:p>
-        </p:txBody>
-      </p:sp>
-      <p:sp>
-        <p:nvSpPr>
-          <p:cNvPr id="3" name="Content Placeholder 2"/>
-          <p:cNvSpPr>
-            <a:spLocks noGrp="1"/>
-          </p:cNvSpPr>
-          <p:nvPr>
-            <p:ph idx="1"/>
-          </p:nvPr>
-        </p:nvSpPr>
-        <p:spPr/>
+        <p:spPr>
+          <a:xfrm>
+            <a:off x="515125" y="865179"/>
+            <a:ext cx="2400300" cy="3345872"/>
+          </a:xfrm>
+        </p:spPr>
         <p:txBody>
           <a:bodyPr>
             <a:normAutofit/>
           </a:bodyPr>
           <a:lstStyle/>
           <a:p>
+            <a:r>
+              <a:rPr lang="en-AU" sz="2400">
+                <a:solidFill>
+                  <a:srgbClr val="FFFFFF"/>
+                </a:solidFill>
+              </a:rPr>
+              <a:t>Story/Objective</a:t>
+            </a:r>
+          </a:p>
+        </p:txBody>
+      </p:sp>
+      <p:sp>
+        <p:nvSpPr>
+          <p:cNvPr id="12" name="Arc 11">
+            <a:extLst>
+              <a:ext uri="{FF2B5EF4-FFF2-40B4-BE49-F238E27FC236}">
+                <a16:creationId xmlns:a16="http://schemas.microsoft.com/office/drawing/2014/main" id="{081E4A58-353D-44AE-B2FC-2A74E2E400F7}"/>
+              </a:ext>
+              <a:ext uri="{C183D7F6-B498-43B3-948B-1728B52AA6E4}">
+                <adec:decorative xmlns:adec="http://schemas.microsoft.com/office/drawing/2017/decorative" val="1"/>
+              </a:ext>
+            </a:extLst>
+          </p:cNvPr>
+          <p:cNvSpPr>
+            <a:spLocks noGrp="1" noRot="1" noChangeAspect="1" noMove="1" noResize="1" noEditPoints="1" noAdjustHandles="1" noChangeArrowheads="1" noChangeShapeType="1" noTextEdit="1"/>
+          </p:cNvSpPr>
+          <p:nvPr>
+            <p:extLst>
+              <p:ext uri="{386F3935-93C4-4BCD-93E2-E3B085C9AB24}">
+                <p16:designElem xmlns:p16="http://schemas.microsoft.com/office/powerpoint/2015/main" val="1"/>
+              </p:ext>
+            </p:extLst>
+          </p:nvPr>
+        </p:nvSpPr>
+        <p:spPr>
+          <a:xfrm flipV="1">
+            <a:off x="5662801" y="1841609"/>
+            <a:ext cx="3062575" cy="3062575"/>
+          </a:xfrm>
+          <a:prstGeom prst="arc">
+            <a:avLst/>
+          </a:prstGeom>
+          <a:ln w="127000" cap="rnd">
+            <a:solidFill>
+              <a:schemeClr val="accent4"/>
+            </a:solidFill>
+            <a:prstDash val="dash"/>
+          </a:ln>
+        </p:spPr>
+        <p:style>
+          <a:lnRef idx="1">
+            <a:schemeClr val="accent1"/>
+          </a:lnRef>
+          <a:fillRef idx="0">
+            <a:schemeClr val="accent1"/>
+          </a:fillRef>
+          <a:effectRef idx="0">
+            <a:schemeClr val="accent1"/>
+          </a:effectRef>
+          <a:fontRef idx="minor">
+            <a:schemeClr val="tx1"/>
+          </a:fontRef>
+        </p:style>
+        <p:txBody>
+          <a:bodyPr rtlCol="0" anchor="ctr"/>
+          <a:lstStyle/>
+          <a:p>
+            <a:pPr algn="ctr"/>
+            <a:endParaRPr lang="en-US" dirty="0"/>
+          </a:p>
+        </p:txBody>
+      </p:sp>
+      <p:sp>
+        <p:nvSpPr>
+          <p:cNvPr id="3" name="Content Placeholder 2"/>
+          <p:cNvSpPr>
+            <a:spLocks noGrp="1"/>
+          </p:cNvSpPr>
+          <p:nvPr>
+            <p:ph idx="1"/>
+          </p:nvPr>
+        </p:nvSpPr>
+        <p:spPr>
+          <a:xfrm>
+            <a:off x="3335481" y="443508"/>
+            <a:ext cx="5179868" cy="4189214"/>
+          </a:xfrm>
+        </p:spPr>
+        <p:txBody>
+          <a:bodyPr anchor="ctr">
+            <a:normAutofit/>
+          </a:bodyPr>
+          <a:lstStyle/>
+          <a:p>
             <a:pPr marL="0" indent="0">
+              <a:lnSpc>
+                <a:spcPct val="90000"/>
+              </a:lnSpc>
               <a:buNone/>
             </a:pPr>
             <a:r>
-              <a:rPr lang="en-AU" sz="2000" dirty="0"/>
+              <a:rPr lang="en-AU" sz="2700" dirty="0">
+                <a:latin typeface="+mj-lt"/>
+                <a:cs typeface="AngsanaUPC" panose="020B0502040204020203" pitchFamily="18" charset="-34"/>
+              </a:rPr>
               <a:t>!!!</a:t>
             </a:r>
             <a:r>
-              <a:rPr lang="en-AU" sz="2000" b="1" dirty="0"/>
+              <a:rPr lang="en-AU" sz="2700" b="1" dirty="0">
+                <a:latin typeface="+mj-lt"/>
+                <a:cs typeface="AngsanaUPC" panose="020B0502040204020203" pitchFamily="18" charset="-34"/>
+              </a:rPr>
               <a:t>Story</a:t>
             </a:r>
             <a:r>
-              <a:rPr lang="en-AU" sz="2000" dirty="0"/>
+              <a:rPr lang="en-AU" sz="2700" dirty="0">
+                <a:latin typeface="+mj-lt"/>
+                <a:cs typeface="AngsanaUPC" panose="020B0502040204020203" pitchFamily="18" charset="-34"/>
+              </a:rPr>
               <a:t>: Con and White clean up a warehouse in a lab that has been left unattended for 10 years!!!</a:t>
             </a:r>
           </a:p>
           <a:p>
-            <a:endParaRPr lang="en-AU" sz="2000" dirty="0"/>
+            <a:pPr>
+              <a:lnSpc>
+                <a:spcPct val="90000"/>
+              </a:lnSpc>
+            </a:pPr>
+            <a:endParaRPr lang="en-AU" sz="2700" dirty="0">
+              <a:latin typeface="+mj-lt"/>
+              <a:cs typeface="AngsanaUPC" panose="020B0502040204020203" pitchFamily="18" charset="-34"/>
+            </a:endParaRPr>
           </a:p>
           <a:p>
             <a:pPr marL="0" indent="0">
+              <a:lnSpc>
+                <a:spcPct val="90000"/>
+              </a:lnSpc>
               <a:buNone/>
             </a:pPr>
             <a:r>
-              <a:rPr lang="en-AU" sz="2000" b="1" dirty="0"/>
+              <a:rPr lang="en-AU" sz="2700" b="1" dirty="0">
+                <a:latin typeface="+mj-lt"/>
+                <a:cs typeface="AngsanaUPC" panose="020B0502040204020203" pitchFamily="18" charset="-34"/>
+              </a:rPr>
               <a:t>Objective</a:t>
             </a:r>
             <a:r>
-              <a:rPr lang="en-AU" sz="2000" dirty="0"/>
+              <a:rPr lang="en-AU" sz="2700" dirty="0">
+                <a:latin typeface="+mj-lt"/>
+                <a:cs typeface="AngsanaUPC" panose="020B0502040204020203" pitchFamily="18" charset="-34"/>
+              </a:rPr>
               <a:t>: Move the grid puzzle ground and remove all trash within a limited number of actions! </a:t>
             </a:r>
           </a:p>
           <a:p>
             <a:pPr marL="0" indent="0">
+              <a:lnSpc>
+                <a:spcPct val="90000"/>
+              </a:lnSpc>
               <a:buNone/>
             </a:pPr>
-            <a:endParaRPr lang="en-AU" sz="2000" dirty="0"/>
+            <a:endParaRPr lang="en-AU" sz="2700" dirty="0">
+              <a:latin typeface="+mj-lt"/>
+              <a:cs typeface="AngsanaUPC" panose="020B0502040204020203" pitchFamily="18" charset="-34"/>
+            </a:endParaRPr>
           </a:p>
           <a:p>
             <a:pPr marL="0" indent="0">
+              <a:lnSpc>
+                <a:spcPct val="90000"/>
+              </a:lnSpc>
               <a:buNone/>
             </a:pPr>
             <a:r>
-              <a:rPr lang="en-AU" sz="2000" dirty="0">
-                <a:solidFill>
-                  <a:srgbClr val="FF0000"/>
-                </a:solidFill>
+              <a:rPr lang="en-AU" sz="2700" dirty="0">
+                <a:latin typeface="+mj-lt"/>
+                <a:cs typeface="AngsanaUPC" panose="020B0502040204020203" pitchFamily="18" charset="-34"/>
               </a:rPr>
               <a:t>Before all the action and movement limits are exhausted…..</a:t>
             </a:r>
@@ -3302,6 +4058,14 @@
 <file path=ppt/slides/slide3.xml><?xml version="1.0" encoding="utf-8"?>
 <p:sld xmlns:a="http://schemas.openxmlformats.org/drawingml/2006/main" xmlns:r="http://schemas.openxmlformats.org/officeDocument/2006/relationships" xmlns:p="http://schemas.openxmlformats.org/presentationml/2006/main">
   <p:cSld>
+    <p:bg>
+      <p:bgPr>
+        <a:solidFill>
+          <a:schemeClr val="bg1"/>
+        </a:solidFill>
+        <a:effectLst/>
+      </p:bgPr>
+    </p:bg>
     <p:spTree>
       <p:nvGrpSpPr>
         <p:cNvPr id="1" name=""/>
@@ -3316,68 +4080,164 @@
           <a:chExt cx="0" cy="0"/>
         </a:xfrm>
       </p:grpSpPr>
-      <p:sp>
-        <p:nvSpPr>
-          <p:cNvPr id="2" name="Title 1"/>
-          <p:cNvSpPr>
-            <a:spLocks noGrp="1"/>
-          </p:cNvSpPr>
-          <p:nvPr>
-            <p:ph type="title"/>
-          </p:nvPr>
-        </p:nvSpPr>
-        <p:spPr/>
-        <p:txBody>
-          <a:bodyPr/>
-          <a:lstStyle/>
-          <a:p>
-            <a:r>
-              <a:rPr lang="en-AU" dirty="0"/>
-              <a:t>Motif</a:t>
-            </a:r>
-          </a:p>
-        </p:txBody>
-      </p:sp>
-      <p:sp>
-        <p:nvSpPr>
-          <p:cNvPr id="3" name="Content Placeholder 2"/>
-          <p:cNvSpPr>
-            <a:spLocks noGrp="1"/>
-          </p:cNvSpPr>
-          <p:nvPr>
-            <p:ph idx="1"/>
+      <p:sp useBgFill="1">
+        <p:nvSpPr>
+          <p:cNvPr id="11" name="Rectangle 10">
+            <a:extLst>
+              <a:ext uri="{FF2B5EF4-FFF2-40B4-BE49-F238E27FC236}">
+                <a16:creationId xmlns:a16="http://schemas.microsoft.com/office/drawing/2014/main" id="{A2679492-7988-4050-9056-542444452411}"/>
+              </a:ext>
+              <a:ext uri="{C183D7F6-B498-43B3-948B-1728B52AA6E4}">
+                <adec:decorative xmlns:adec="http://schemas.microsoft.com/office/drawing/2017/decorative" val="1"/>
+              </a:ext>
+            </a:extLst>
+          </p:cNvPr>
+          <p:cNvSpPr>
+            <a:spLocks noGrp="1" noRot="1" noChangeAspect="1" noMove="1" noResize="1" noEditPoints="1" noAdjustHandles="1" noChangeArrowheads="1" noChangeShapeType="1" noTextEdit="1"/>
+          </p:cNvSpPr>
+          <p:nvPr>
+            <p:extLst>
+              <p:ext uri="{386F3935-93C4-4BCD-93E2-E3B085C9AB24}">
+                <p16:designElem xmlns:p16="http://schemas.microsoft.com/office/powerpoint/2015/main" val="1"/>
+              </p:ext>
+            </p:extLst>
           </p:nvPr>
         </p:nvSpPr>
         <p:spPr>
           <a:xfrm>
-            <a:off x="457200" y="3867894"/>
-            <a:ext cx="8229600" cy="726728"/>
+            <a:off x="0" y="0"/>
+            <a:ext cx="9144000" cy="5143500"/>
+          </a:xfrm>
+          <a:prstGeom prst="rect">
+            <a:avLst/>
+          </a:prstGeom>
+          <a:ln>
+            <a:noFill/>
+          </a:ln>
+        </p:spPr>
+        <p:style>
+          <a:lnRef idx="2">
+            <a:schemeClr val="accent1">
+              <a:shade val="50000"/>
+            </a:schemeClr>
+          </a:lnRef>
+          <a:fillRef idx="1">
+            <a:schemeClr val="accent1"/>
+          </a:fillRef>
+          <a:effectRef idx="0">
+            <a:schemeClr val="accent1"/>
+          </a:effectRef>
+          <a:fontRef idx="minor">
+            <a:schemeClr val="lt1"/>
+          </a:fontRef>
+        </p:style>
+        <p:txBody>
+          <a:bodyPr rtlCol="0" anchor="ctr"/>
+          <a:lstStyle/>
+          <a:p>
+            <a:pPr algn="ctr"/>
+            <a:endParaRPr lang="en-US"/>
+          </a:p>
+        </p:txBody>
+      </p:sp>
+      <p:sp>
+        <p:nvSpPr>
+          <p:cNvPr id="2" name="Title 1"/>
+          <p:cNvSpPr>
+            <a:spLocks noGrp="1"/>
+          </p:cNvSpPr>
+          <p:nvPr>
+            <p:ph type="title"/>
+          </p:nvPr>
+        </p:nvSpPr>
+        <p:spPr>
+          <a:xfrm>
+            <a:off x="4794437" y="376238"/>
+            <a:ext cx="3326040" cy="1287191"/>
           </a:xfrm>
         </p:spPr>
         <p:txBody>
-          <a:bodyPr>
+          <a:bodyPr anchor="b">
             <a:normAutofit/>
           </a:bodyPr>
           <a:lstStyle/>
           <a:p>
             <a:r>
-              <a:rPr lang="en-AU" sz="1400" dirty="0"/>
-              <a:t>Mechanic -&gt; “</a:t>
-            </a:r>
-            <a:r>
-              <a:rPr lang="en-AU" sz="1400" dirty="0" err="1"/>
-              <a:t>Helltaker</a:t>
-            </a:r>
-            <a:r>
-              <a:rPr lang="en-AU" sz="1400" dirty="0"/>
-              <a:t>”</a:t>
-            </a:r>
-          </a:p>
-          <a:p>
-            <a:r>
-              <a:rPr lang="en-AU" sz="1400" dirty="0"/>
-              <a:t>Concept and Story -&gt; Cleaning up! Which I made before…</a:t>
-            </a:r>
+              <a:rPr lang="en-AU" sz="4200"/>
+              <a:t>Motif</a:t>
+            </a:r>
+          </a:p>
+        </p:txBody>
+      </p:sp>
+      <p:sp>
+        <p:nvSpPr>
+          <p:cNvPr id="13" name="Rectangle 12">
+            <a:extLst>
+              <a:ext uri="{FF2B5EF4-FFF2-40B4-BE49-F238E27FC236}">
+                <a16:creationId xmlns:a16="http://schemas.microsoft.com/office/drawing/2014/main" id="{B091B163-7D61-4891-ABCF-5C13D9C418D0}"/>
+              </a:ext>
+              <a:ext uri="{C183D7F6-B498-43B3-948B-1728B52AA6E4}">
+                <adec:decorative xmlns:adec="http://schemas.microsoft.com/office/drawing/2017/decorative" val="1"/>
+              </a:ext>
+            </a:extLst>
+          </p:cNvPr>
+          <p:cNvSpPr>
+            <a:spLocks noGrp="1" noRot="1" noChangeAspect="1" noMove="1" noResize="1" noEditPoints="1" noAdjustHandles="1" noChangeArrowheads="1" noChangeShapeType="1" noTextEdit="1"/>
+          </p:cNvSpPr>
+          <p:nvPr>
+            <p:extLst>
+              <p:ext uri="{386F3935-93C4-4BCD-93E2-E3B085C9AB24}">
+                <p16:designElem xmlns:p16="http://schemas.microsoft.com/office/powerpoint/2015/main" val="1"/>
+              </p:ext>
+            </p:extLst>
+          </p:nvPr>
+        </p:nvSpPr>
+        <p:spPr>
+          <a:xfrm>
+            <a:off x="0" y="0"/>
+            <a:ext cx="4334933" cy="5143500"/>
+          </a:xfrm>
+          <a:prstGeom prst="rect">
+            <a:avLst/>
+          </a:prstGeom>
+          <a:gradFill flip="none" rotWithShape="1">
+            <a:gsLst>
+              <a:gs pos="0">
+                <a:schemeClr val="accent1"/>
+              </a:gs>
+              <a:gs pos="100000">
+                <a:schemeClr val="accent2"/>
+              </a:gs>
+            </a:gsLst>
+            <a:lin ang="2700000" scaled="1"/>
+            <a:tileRect/>
+          </a:gradFill>
+          <a:ln>
+            <a:noFill/>
+          </a:ln>
+        </p:spPr>
+        <p:style>
+          <a:lnRef idx="2">
+            <a:schemeClr val="accent1">
+              <a:shade val="50000"/>
+            </a:schemeClr>
+          </a:lnRef>
+          <a:fillRef idx="1">
+            <a:schemeClr val="accent1"/>
+          </a:fillRef>
+          <a:effectRef idx="0">
+            <a:schemeClr val="accent1"/>
+          </a:effectRef>
+          <a:fontRef idx="minor">
+            <a:schemeClr val="lt1"/>
+          </a:fontRef>
+        </p:style>
+        <p:txBody>
+          <a:bodyPr rtlCol="0" anchor="ctr"/>
+          <a:lstStyle/>
+          <a:p>
+            <a:pPr algn="ctr"/>
+            <a:endParaRPr lang="en-US"/>
           </a:p>
         </p:txBody>
       </p:sp>
@@ -3397,14 +4257,13 @@
         </p:nvPicPr>
         <p:blipFill>
           <a:blip r:embed="rId2"/>
-          <a:stretch>
-            <a:fillRect/>
-          </a:stretch>
+          <a:srcRect l="394" r="2042" b="3"/>
+          <a:stretch/>
         </p:blipFill>
         <p:spPr>
           <a:xfrm>
-            <a:off x="457199" y="1419943"/>
-            <a:ext cx="4042793" cy="2274072"/>
+            <a:off x="209357" y="224631"/>
+            <a:ext cx="3916219" cy="2257797"/>
           </a:xfrm>
           <a:prstGeom prst="rect">
             <a:avLst/>
@@ -3433,19 +4292,128 @@
               </a:ext>
             </a:extLst>
           </a:blip>
-          <a:srcRect/>
+          <a:srcRect r="269" b="5"/>
           <a:stretch/>
         </p:blipFill>
         <p:spPr>
           <a:xfrm>
-            <a:off x="4692543" y="1419943"/>
-            <a:ext cx="3958379" cy="2274072"/>
+            <a:off x="209357" y="2661071"/>
+            <a:ext cx="3916219" cy="2257798"/>
           </a:xfrm>
           <a:prstGeom prst="rect">
             <a:avLst/>
           </a:prstGeom>
         </p:spPr>
       </p:pic>
+      <p:sp>
+        <p:nvSpPr>
+          <p:cNvPr id="3" name="Content Placeholder 2"/>
+          <p:cNvSpPr>
+            <a:spLocks noGrp="1"/>
+          </p:cNvSpPr>
+          <p:nvPr>
+            <p:ph idx="1"/>
+          </p:nvPr>
+        </p:nvSpPr>
+        <p:spPr>
+          <a:xfrm>
+            <a:off x="4794437" y="1984441"/>
+            <a:ext cx="3326041" cy="2782820"/>
+          </a:xfrm>
+        </p:spPr>
+        <p:txBody>
+          <a:bodyPr anchor="t">
+            <a:normAutofit/>
+          </a:bodyPr>
+          <a:lstStyle/>
+          <a:p>
+            <a:r>
+              <a:rPr lang="en-AU" sz="1500">
+                <a:solidFill>
+                  <a:schemeClr val="tx1">
+                    <a:alpha val="80000"/>
+                  </a:schemeClr>
+                </a:solidFill>
+              </a:rPr>
+              <a:t>Mechanic -&gt; “Helltaker”</a:t>
+            </a:r>
+          </a:p>
+          <a:p>
+            <a:r>
+              <a:rPr lang="en-AU" sz="1500">
+                <a:solidFill>
+                  <a:schemeClr val="tx1">
+                    <a:alpha val="80000"/>
+                  </a:schemeClr>
+                </a:solidFill>
+              </a:rPr>
+              <a:t>Concept and Story -&gt; Cleaning up! Which I made before…</a:t>
+            </a:r>
+          </a:p>
+        </p:txBody>
+      </p:sp>
+      <p:cxnSp>
+        <p:nvCxnSpPr>
+          <p:cNvPr id="15" name="Straight Connector 14">
+            <a:extLst>
+              <a:ext uri="{FF2B5EF4-FFF2-40B4-BE49-F238E27FC236}">
+                <a16:creationId xmlns:a16="http://schemas.microsoft.com/office/drawing/2014/main" id="{C49DA8F6-BCC1-4447-B54C-57856834B94B}"/>
+              </a:ext>
+              <a:ext uri="{C183D7F6-B498-43B3-948B-1728B52AA6E4}">
+                <adec:decorative xmlns:adec="http://schemas.microsoft.com/office/drawing/2017/decorative" val="1"/>
+              </a:ext>
+            </a:extLst>
+          </p:cNvPr>
+          <p:cNvCxnSpPr>
+            <a:cxnSpLocks noGrp="1" noRot="1" noChangeAspect="1" noMove="1" noResize="1" noEditPoints="1" noAdjustHandles="1" noChangeArrowheads="1" noChangeShapeType="1"/>
+          </p:cNvCxnSpPr>
+          <p:nvPr>
+            <p:extLst>
+              <p:ext uri="{386F3935-93C4-4BCD-93E2-E3B085C9AB24}">
+                <p16:designElem xmlns:p16="http://schemas.microsoft.com/office/powerpoint/2015/main" val="1"/>
+              </p:ext>
+            </p:extLst>
+          </p:nvPr>
+        </p:nvCxnSpPr>
+        <p:spPr>
+          <a:xfrm>
+            <a:off x="8689621" y="2710419"/>
+            <a:ext cx="0" cy="2429046"/>
+          </a:xfrm>
+          <a:prstGeom prst="line">
+            <a:avLst/>
+          </a:prstGeom>
+          <a:ln w="25400" cap="sq">
+            <a:gradFill flip="none" rotWithShape="1">
+              <a:gsLst>
+                <a:gs pos="0">
+                  <a:schemeClr val="accent1"/>
+                </a:gs>
+                <a:gs pos="100000">
+                  <a:schemeClr val="accent2"/>
+                </a:gs>
+              </a:gsLst>
+              <a:lin ang="16200000" scaled="1"/>
+              <a:tileRect/>
+            </a:gradFill>
+            <a:bevel/>
+          </a:ln>
+        </p:spPr>
+        <p:style>
+          <a:lnRef idx="1">
+            <a:schemeClr val="accent1"/>
+          </a:lnRef>
+          <a:fillRef idx="0">
+            <a:schemeClr val="accent1"/>
+          </a:fillRef>
+          <a:effectRef idx="0">
+            <a:schemeClr val="accent1"/>
+          </a:effectRef>
+          <a:fontRef idx="minor">
+            <a:schemeClr val="tx1"/>
+          </a:fontRef>
+        </p:style>
+      </p:cxnSp>
     </p:spTree>
     <p:extLst>
       <p:ext uri="{BB962C8B-B14F-4D97-AF65-F5344CB8AC3E}">
@@ -3462,6 +4430,14 @@
 <file path=ppt/slides/slide4.xml><?xml version="1.0" encoding="utf-8"?>
 <p:sld xmlns:a="http://schemas.openxmlformats.org/drawingml/2006/main" xmlns:r="http://schemas.openxmlformats.org/officeDocument/2006/relationships" xmlns:p="http://schemas.openxmlformats.org/presentationml/2006/main">
   <p:cSld>
+    <p:bg>
+      <p:bgPr>
+        <a:solidFill>
+          <a:schemeClr val="bg1"/>
+        </a:solidFill>
+        <a:effectLst/>
+      </p:bgPr>
+    </p:bg>
     <p:spTree>
       <p:nvGrpSpPr>
         <p:cNvPr id="1" name=""/>
@@ -3476,6 +4452,338 @@
           <a:chExt cx="0" cy="0"/>
         </a:xfrm>
       </p:grpSpPr>
+      <p:sp useBgFill="1">
+        <p:nvSpPr>
+          <p:cNvPr id="30" name="Rectangle 29">
+            <a:extLst>
+              <a:ext uri="{FF2B5EF4-FFF2-40B4-BE49-F238E27FC236}">
+                <a16:creationId xmlns:a16="http://schemas.microsoft.com/office/drawing/2014/main" id="{42E59424-33E1-4F37-8425-9F113921968C}"/>
+              </a:ext>
+              <a:ext uri="{C183D7F6-B498-43B3-948B-1728B52AA6E4}">
+                <adec:decorative xmlns:adec="http://schemas.microsoft.com/office/drawing/2017/decorative" val="1"/>
+              </a:ext>
+            </a:extLst>
+          </p:cNvPr>
+          <p:cNvSpPr>
+            <a:spLocks noGrp="1" noRot="1" noChangeAspect="1" noMove="1" noResize="1" noEditPoints="1" noAdjustHandles="1" noChangeArrowheads="1" noChangeShapeType="1" noTextEdit="1"/>
+          </p:cNvSpPr>
+          <p:nvPr>
+            <p:extLst>
+              <p:ext uri="{386F3935-93C4-4BCD-93E2-E3B085C9AB24}">
+                <p16:designElem xmlns:p16="http://schemas.microsoft.com/office/powerpoint/2015/main" val="1"/>
+              </p:ext>
+            </p:extLst>
+          </p:nvPr>
+        </p:nvSpPr>
+        <p:spPr>
+          <a:xfrm>
+            <a:off x="0" y="0"/>
+            <a:ext cx="9141714" cy="5143500"/>
+          </a:xfrm>
+          <a:prstGeom prst="rect">
+            <a:avLst/>
+          </a:prstGeom>
+          <a:ln>
+            <a:noFill/>
+          </a:ln>
+        </p:spPr>
+        <p:style>
+          <a:lnRef idx="2">
+            <a:schemeClr val="accent1">
+              <a:shade val="50000"/>
+            </a:schemeClr>
+          </a:lnRef>
+          <a:fillRef idx="1">
+            <a:schemeClr val="accent1"/>
+          </a:fillRef>
+          <a:effectRef idx="0">
+            <a:schemeClr val="accent1"/>
+          </a:effectRef>
+          <a:fontRef idx="minor">
+            <a:schemeClr val="lt1"/>
+          </a:fontRef>
+        </p:style>
+        <p:txBody>
+          <a:bodyPr rtlCol="0" anchor="ctr"/>
+          <a:lstStyle/>
+          <a:p>
+            <a:pPr algn="ctr"/>
+            <a:endParaRPr lang="en-US"/>
+          </a:p>
+        </p:txBody>
+      </p:sp>
+      <p:sp>
+        <p:nvSpPr>
+          <p:cNvPr id="31" name="Freeform: Shape 30">
+            <a:extLst>
+              <a:ext uri="{FF2B5EF4-FFF2-40B4-BE49-F238E27FC236}">
+                <a16:creationId xmlns:a16="http://schemas.microsoft.com/office/drawing/2014/main" id="{9694F8A0-A600-40AB-84BE-03637A1D71FD}"/>
+              </a:ext>
+              <a:ext uri="{C183D7F6-B498-43B3-948B-1728B52AA6E4}">
+                <adec:decorative xmlns:adec="http://schemas.microsoft.com/office/drawing/2017/decorative" val="1"/>
+              </a:ext>
+            </a:extLst>
+          </p:cNvPr>
+          <p:cNvSpPr>
+            <a:spLocks noGrp="1" noRot="1" noChangeAspect="1" noMove="1" noResize="1" noEditPoints="1" noAdjustHandles="1" noChangeArrowheads="1" noChangeShapeType="1" noTextEdit="1"/>
+          </p:cNvSpPr>
+          <p:nvPr>
+            <p:extLst>
+              <p:ext uri="{386F3935-93C4-4BCD-93E2-E3B085C9AB24}">
+                <p16:designElem xmlns:p16="http://schemas.microsoft.com/office/powerpoint/2015/main" val="1"/>
+              </p:ext>
+            </p:extLst>
+          </p:nvPr>
+        </p:nvSpPr>
+        <p:spPr>
+          <a:xfrm rot="5400000" flipV="1">
+            <a:off x="3559174" y="-3559174"/>
+            <a:ext cx="2025653" cy="9144000"/>
+          </a:xfrm>
+          <a:custGeom>
+            <a:avLst/>
+            <a:gdLst>
+              <a:gd name="connsiteX0" fmla="*/ 0 w 2700870"/>
+              <a:gd name="connsiteY0" fmla="*/ 0 h 12192000"/>
+              <a:gd name="connsiteX1" fmla="*/ 0 w 2700870"/>
+              <a:gd name="connsiteY1" fmla="*/ 12192000 h 12192000"/>
+              <a:gd name="connsiteX2" fmla="*/ 2661694 w 2700870"/>
+              <a:gd name="connsiteY2" fmla="*/ 12192000 h 12192000"/>
+              <a:gd name="connsiteX3" fmla="*/ 2632716 w 2700870"/>
+              <a:gd name="connsiteY3" fmla="*/ 11941855 h 12192000"/>
+              <a:gd name="connsiteX4" fmla="*/ 2605238 w 2700870"/>
+              <a:gd name="connsiteY4" fmla="*/ 10895781 h 12192000"/>
+              <a:gd name="connsiteX5" fmla="*/ 2672927 w 2700870"/>
+              <a:gd name="connsiteY5" fmla="*/ 9729981 h 12192000"/>
+              <a:gd name="connsiteX6" fmla="*/ 2672927 w 2700870"/>
+              <a:gd name="connsiteY6" fmla="*/ 9349685 h 12192000"/>
+              <a:gd name="connsiteX7" fmla="*/ 2665256 w 2700870"/>
+              <a:gd name="connsiteY7" fmla="*/ 8947869 h 12192000"/>
+              <a:gd name="connsiteX8" fmla="*/ 2666835 w 2700870"/>
+              <a:gd name="connsiteY8" fmla="*/ 7719557 h 12192000"/>
+              <a:gd name="connsiteX9" fmla="*/ 2648109 w 2700870"/>
+              <a:gd name="connsiteY9" fmla="*/ 6285351 h 12192000"/>
+              <a:gd name="connsiteX10" fmla="*/ 2672476 w 2700870"/>
+              <a:gd name="connsiteY10" fmla="*/ 5314115 h 12192000"/>
+              <a:gd name="connsiteX11" fmla="*/ 2662774 w 2700870"/>
+              <a:gd name="connsiteY11" fmla="*/ 4956020 h 12192000"/>
+              <a:gd name="connsiteX12" fmla="*/ 2679020 w 2700870"/>
+              <a:gd name="connsiteY12" fmla="*/ 4142653 h 12192000"/>
+              <a:gd name="connsiteX13" fmla="*/ 2681951 w 2700870"/>
+              <a:gd name="connsiteY13" fmla="*/ 3198141 h 12192000"/>
+              <a:gd name="connsiteX14" fmla="*/ 2632541 w 2700870"/>
+              <a:gd name="connsiteY14" fmla="*/ 1982283 h 12192000"/>
+              <a:gd name="connsiteX15" fmla="*/ 2667512 w 2700870"/>
+              <a:gd name="connsiteY15" fmla="*/ 1445702 h 12192000"/>
+              <a:gd name="connsiteX16" fmla="*/ 2660518 w 2700870"/>
+              <a:gd name="connsiteY16" fmla="*/ 750797 h 12192000"/>
+              <a:gd name="connsiteX17" fmla="*/ 2651539 w 2700870"/>
+              <a:gd name="connsiteY17" fmla="*/ 168769 h 12192000"/>
+              <a:gd name="connsiteX18" fmla="*/ 2668618 w 2700870"/>
+              <a:gd name="connsiteY18" fmla="*/ 0 h 12192000"/>
+              <a:gd name="connsiteX19" fmla="*/ 781493 w 2700870"/>
+              <a:gd name="connsiteY19" fmla="*/ 0 h 12192000"/>
+              <a:gd name="connsiteX20" fmla="*/ 409569 w 2700870"/>
+              <a:gd name="connsiteY20" fmla="*/ 0 h 12192000"/>
+            </a:gdLst>
+            <a:ahLst/>
+            <a:cxnLst>
+              <a:cxn ang="0">
+                <a:pos x="connsiteX0" y="connsiteY0"/>
+              </a:cxn>
+              <a:cxn ang="0">
+                <a:pos x="connsiteX1" y="connsiteY1"/>
+              </a:cxn>
+              <a:cxn ang="0">
+                <a:pos x="connsiteX2" y="connsiteY2"/>
+              </a:cxn>
+              <a:cxn ang="0">
+                <a:pos x="connsiteX3" y="connsiteY3"/>
+              </a:cxn>
+              <a:cxn ang="0">
+                <a:pos x="connsiteX4" y="connsiteY4"/>
+              </a:cxn>
+              <a:cxn ang="0">
+                <a:pos x="connsiteX5" y="connsiteY5"/>
+              </a:cxn>
+              <a:cxn ang="0">
+                <a:pos x="connsiteX6" y="connsiteY6"/>
+              </a:cxn>
+              <a:cxn ang="0">
+                <a:pos x="connsiteX7" y="connsiteY7"/>
+              </a:cxn>
+              <a:cxn ang="0">
+                <a:pos x="connsiteX8" y="connsiteY8"/>
+              </a:cxn>
+              <a:cxn ang="0">
+                <a:pos x="connsiteX9" y="connsiteY9"/>
+              </a:cxn>
+              <a:cxn ang="0">
+                <a:pos x="connsiteX10" y="connsiteY10"/>
+              </a:cxn>
+              <a:cxn ang="0">
+                <a:pos x="connsiteX11" y="connsiteY11"/>
+              </a:cxn>
+              <a:cxn ang="0">
+                <a:pos x="connsiteX12" y="connsiteY12"/>
+              </a:cxn>
+              <a:cxn ang="0">
+                <a:pos x="connsiteX13" y="connsiteY13"/>
+              </a:cxn>
+              <a:cxn ang="0">
+                <a:pos x="connsiteX14" y="connsiteY14"/>
+              </a:cxn>
+              <a:cxn ang="0">
+                <a:pos x="connsiteX15" y="connsiteY15"/>
+              </a:cxn>
+              <a:cxn ang="0">
+                <a:pos x="connsiteX16" y="connsiteY16"/>
+              </a:cxn>
+              <a:cxn ang="0">
+                <a:pos x="connsiteX17" y="connsiteY17"/>
+              </a:cxn>
+              <a:cxn ang="0">
+                <a:pos x="connsiteX18" y="connsiteY18"/>
+              </a:cxn>
+              <a:cxn ang="0">
+                <a:pos x="connsiteX19" y="connsiteY19"/>
+              </a:cxn>
+              <a:cxn ang="0">
+                <a:pos x="connsiteX20" y="connsiteY20"/>
+              </a:cxn>
+            </a:cxnLst>
+            <a:rect l="l" t="t" r="r" b="b"/>
+            <a:pathLst>
+              <a:path w="2700870" h="12192000">
+                <a:moveTo>
+                  <a:pt x="0" y="0"/>
+                </a:moveTo>
+                <a:lnTo>
+                  <a:pt x="0" y="12192000"/>
+                </a:lnTo>
+                <a:lnTo>
+                  <a:pt x="2661694" y="12192000"/>
+                </a:lnTo>
+                <a:lnTo>
+                  <a:pt x="2632716" y="11941855"/>
+                </a:lnTo>
+                <a:cubicBezTo>
+                  <a:pt x="2602362" y="11594183"/>
+                  <a:pt x="2599485" y="11245047"/>
+                  <a:pt x="2605238" y="10895781"/>
+                </a:cubicBezTo>
+                <a:cubicBezTo>
+                  <a:pt x="2611558" y="10506425"/>
+                  <a:pt x="2629380" y="10117297"/>
+                  <a:pt x="2672927" y="9729981"/>
+                </a:cubicBezTo>
+                <a:cubicBezTo>
+                  <a:pt x="2684548" y="9603480"/>
+                  <a:pt x="2684548" y="9476187"/>
+                  <a:pt x="2672927" y="9349685"/>
+                </a:cubicBezTo>
+                <a:cubicBezTo>
+                  <a:pt x="2663496" y="9215958"/>
+                  <a:pt x="2660924" y="9081848"/>
+                  <a:pt x="2665256" y="8947869"/>
+                </a:cubicBezTo>
+                <a:cubicBezTo>
+                  <a:pt x="2678116" y="8538360"/>
+                  <a:pt x="2648559" y="8128618"/>
+                  <a:pt x="2666835" y="7719557"/>
+                </a:cubicBezTo>
+                <a:cubicBezTo>
+                  <a:pt x="2688269" y="7240958"/>
+                  <a:pt x="2663226" y="6763493"/>
+                  <a:pt x="2648109" y="6285351"/>
+                </a:cubicBezTo>
+                <a:cubicBezTo>
+                  <a:pt x="2637956" y="5961455"/>
+                  <a:pt x="2631636" y="5637330"/>
+                  <a:pt x="2672476" y="5314115"/>
+                </a:cubicBezTo>
+                <a:cubicBezTo>
+                  <a:pt x="2687594" y="5195204"/>
+                  <a:pt x="2674732" y="5074932"/>
+                  <a:pt x="2662774" y="4956020"/>
+                </a:cubicBezTo>
+                <a:cubicBezTo>
+                  <a:pt x="2635699" y="4683988"/>
+                  <a:pt x="2650591" y="4413093"/>
+                  <a:pt x="2679020" y="4142653"/>
+                </a:cubicBezTo>
+                <a:cubicBezTo>
+                  <a:pt x="2712412" y="3827814"/>
+                  <a:pt x="2702710" y="3513204"/>
+                  <a:pt x="2681951" y="3198141"/>
+                </a:cubicBezTo>
+                <a:cubicBezTo>
+                  <a:pt x="2655103" y="2793383"/>
+                  <a:pt x="2621257" y="2389987"/>
+                  <a:pt x="2632541" y="1982283"/>
+                </a:cubicBezTo>
+                <a:cubicBezTo>
+                  <a:pt x="2637279" y="1803119"/>
+                  <a:pt x="2653299" y="1624412"/>
+                  <a:pt x="2667512" y="1445702"/>
+                </a:cubicBezTo>
+                <a:cubicBezTo>
+                  <a:pt x="2682111" y="1214217"/>
+                  <a:pt x="2679764" y="981948"/>
+                  <a:pt x="2660518" y="750797"/>
+                </a:cubicBezTo>
+                <a:cubicBezTo>
+                  <a:pt x="2647658" y="556628"/>
+                  <a:pt x="2639366" y="362460"/>
+                  <a:pt x="2651539" y="168769"/>
+                </a:cubicBezTo>
+                <a:lnTo>
+                  <a:pt x="2668618" y="0"/>
+                </a:lnTo>
+                <a:lnTo>
+                  <a:pt x="781493" y="0"/>
+                </a:lnTo>
+                <a:lnTo>
+                  <a:pt x="409569" y="0"/>
+                </a:lnTo>
+                <a:close/>
+              </a:path>
+            </a:pathLst>
+          </a:custGeom>
+          <a:solidFill>
+            <a:schemeClr val="accent2"/>
+          </a:solidFill>
+          <a:ln>
+            <a:noFill/>
+          </a:ln>
+        </p:spPr>
+        <p:style>
+          <a:lnRef idx="2">
+            <a:schemeClr val="accent1">
+              <a:shade val="50000"/>
+            </a:schemeClr>
+          </a:lnRef>
+          <a:fillRef idx="1">
+            <a:schemeClr val="accent1"/>
+          </a:fillRef>
+          <a:effectRef idx="0">
+            <a:schemeClr val="accent1"/>
+          </a:effectRef>
+          <a:fontRef idx="minor">
+            <a:schemeClr val="lt1"/>
+          </a:fontRef>
+        </p:style>
+        <p:txBody>
+          <a:bodyPr wrap="square" rtlCol="0" anchor="ctr">
+            <a:noAutofit/>
+          </a:bodyPr>
+          <a:lstStyle/>
+          <a:p>
+            <a:pPr algn="ctr"/>
+            <a:endParaRPr lang="en-US"/>
+          </a:p>
+        </p:txBody>
+      </p:sp>
       <p:sp>
         <p:nvSpPr>
           <p:cNvPr id="2" name="Title 1"/>
@@ -3486,18 +4794,570 @@
             <p:ph type="title"/>
           </p:nvPr>
         </p:nvSpPr>
-        <p:spPr/>
-        <p:txBody>
-          <a:bodyPr/>
-          <a:lstStyle/>
-          <a:p>
-            <a:r>
-              <a:rPr lang="en-AU" dirty="0"/>
+        <p:spPr>
+          <a:xfrm>
+            <a:off x="473202" y="561879"/>
+            <a:ext cx="2606537" cy="1200150"/>
+          </a:xfrm>
+        </p:spPr>
+        <p:txBody>
+          <a:bodyPr vert="horz" lIns="91440" tIns="45720" rIns="91440" bIns="45720" rtlCol="0" anchor="ctr">
+            <a:normAutofit/>
+          </a:bodyPr>
+          <a:lstStyle/>
+          <a:p>
+            <a:pPr algn="l">
+              <a:lnSpc>
+                <a:spcPct val="90000"/>
+              </a:lnSpc>
+            </a:pPr>
+            <a:r>
+              <a:rPr lang="en-US" sz="3600">
+                <a:solidFill>
+                  <a:srgbClr val="FFFFFF"/>
+                </a:solidFill>
+              </a:rPr>
               <a:t>Concept</a:t>
             </a:r>
           </a:p>
         </p:txBody>
       </p:sp>
+      <p:sp>
+        <p:nvSpPr>
+          <p:cNvPr id="32" name="sketch line">
+            <a:extLst>
+              <a:ext uri="{FF2B5EF4-FFF2-40B4-BE49-F238E27FC236}">
+                <a16:creationId xmlns:a16="http://schemas.microsoft.com/office/drawing/2014/main" id="{00FB22BA-072B-424B-82FA-D1F0DC084160}"/>
+              </a:ext>
+              <a:ext uri="{C183D7F6-B498-43B3-948B-1728B52AA6E4}">
+                <adec:decorative xmlns:adec="http://schemas.microsoft.com/office/drawing/2017/decorative" val="1"/>
+              </a:ext>
+            </a:extLst>
+          </p:cNvPr>
+          <p:cNvSpPr>
+            <a:spLocks noGrp="1" noRot="1" noChangeAspect="1" noMove="1" noResize="1" noEditPoints="1" noAdjustHandles="1" noChangeArrowheads="1" noChangeShapeType="1" noTextEdit="1"/>
+          </p:cNvSpPr>
+          <p:nvPr>
+            <p:extLst>
+              <p:ext uri="{386F3935-93C4-4BCD-93E2-E3B085C9AB24}">
+                <p16:designElem xmlns:p16="http://schemas.microsoft.com/office/powerpoint/2015/main" val="1"/>
+              </p:ext>
+            </p:extLst>
+          </p:nvPr>
+        </p:nvSpPr>
+        <p:spPr>
+          <a:xfrm rot="5400000">
+            <a:off x="2674619" y="1014984"/>
+            <a:ext cx="1165860" cy="13716"/>
+          </a:xfrm>
+          <a:custGeom>
+            <a:avLst/>
+            <a:gdLst>
+              <a:gd name="connsiteX0" fmla="*/ 0 w 1165860"/>
+              <a:gd name="connsiteY0" fmla="*/ 0 h 13716"/>
+              <a:gd name="connsiteX1" fmla="*/ 606247 w 1165860"/>
+              <a:gd name="connsiteY1" fmla="*/ 0 h 13716"/>
+              <a:gd name="connsiteX2" fmla="*/ 1165860 w 1165860"/>
+              <a:gd name="connsiteY2" fmla="*/ 0 h 13716"/>
+              <a:gd name="connsiteX3" fmla="*/ 1165860 w 1165860"/>
+              <a:gd name="connsiteY3" fmla="*/ 13716 h 13716"/>
+              <a:gd name="connsiteX4" fmla="*/ 594589 w 1165860"/>
+              <a:gd name="connsiteY4" fmla="*/ 13716 h 13716"/>
+              <a:gd name="connsiteX5" fmla="*/ 0 w 1165860"/>
+              <a:gd name="connsiteY5" fmla="*/ 13716 h 13716"/>
+              <a:gd name="connsiteX6" fmla="*/ 0 w 1165860"/>
+              <a:gd name="connsiteY6" fmla="*/ 0 h 13716"/>
+            </a:gdLst>
+            <a:ahLst/>
+            <a:cxnLst>
+              <a:cxn ang="0">
+                <a:pos x="connsiteX0" y="connsiteY0"/>
+              </a:cxn>
+              <a:cxn ang="0">
+                <a:pos x="connsiteX1" y="connsiteY1"/>
+              </a:cxn>
+              <a:cxn ang="0">
+                <a:pos x="connsiteX2" y="connsiteY2"/>
+              </a:cxn>
+              <a:cxn ang="0">
+                <a:pos x="connsiteX3" y="connsiteY3"/>
+              </a:cxn>
+              <a:cxn ang="0">
+                <a:pos x="connsiteX4" y="connsiteY4"/>
+              </a:cxn>
+              <a:cxn ang="0">
+                <a:pos x="connsiteX5" y="connsiteY5"/>
+              </a:cxn>
+              <a:cxn ang="0">
+                <a:pos x="connsiteX6" y="connsiteY6"/>
+              </a:cxn>
+            </a:cxnLst>
+            <a:rect l="l" t="t" r="r" b="b"/>
+            <a:pathLst>
+              <a:path w="1165860" h="13716" fill="none" extrusionOk="0">
+                <a:moveTo>
+                  <a:pt x="0" y="0"/>
+                </a:moveTo>
+                <a:cubicBezTo>
+                  <a:pt x="164196" y="4475"/>
+                  <a:pt x="311417" y="-11483"/>
+                  <a:pt x="606247" y="0"/>
+                </a:cubicBezTo>
+                <a:cubicBezTo>
+                  <a:pt x="901077" y="11483"/>
+                  <a:pt x="1028750" y="-4041"/>
+                  <a:pt x="1165860" y="0"/>
+                </a:cubicBezTo>
+                <a:cubicBezTo>
+                  <a:pt x="1165578" y="4434"/>
+                  <a:pt x="1165988" y="8423"/>
+                  <a:pt x="1165860" y="13716"/>
+                </a:cubicBezTo>
+                <a:cubicBezTo>
+                  <a:pt x="940964" y="3888"/>
+                  <a:pt x="745886" y="20893"/>
+                  <a:pt x="594589" y="13716"/>
+                </a:cubicBezTo>
+                <a:cubicBezTo>
+                  <a:pt x="443292" y="6539"/>
+                  <a:pt x="119306" y="21776"/>
+                  <a:pt x="0" y="13716"/>
+                </a:cubicBezTo>
+                <a:cubicBezTo>
+                  <a:pt x="103" y="7543"/>
+                  <a:pt x="-154" y="4446"/>
+                  <a:pt x="0" y="0"/>
+                </a:cubicBezTo>
+                <a:close/>
+              </a:path>
+              <a:path w="1165860" h="13716" stroke="0" extrusionOk="0">
+                <a:moveTo>
+                  <a:pt x="0" y="0"/>
+                </a:moveTo>
+                <a:cubicBezTo>
+                  <a:pt x="199755" y="-8614"/>
+                  <a:pt x="439971" y="-19466"/>
+                  <a:pt x="571271" y="0"/>
+                </a:cubicBezTo>
+                <a:cubicBezTo>
+                  <a:pt x="702571" y="19466"/>
+                  <a:pt x="922660" y="-18418"/>
+                  <a:pt x="1165860" y="0"/>
+                </a:cubicBezTo>
+                <a:cubicBezTo>
+                  <a:pt x="1165756" y="6849"/>
+                  <a:pt x="1166068" y="9414"/>
+                  <a:pt x="1165860" y="13716"/>
+                </a:cubicBezTo>
+                <a:cubicBezTo>
+                  <a:pt x="981594" y="16996"/>
+                  <a:pt x="788922" y="30312"/>
+                  <a:pt x="582930" y="13716"/>
+                </a:cubicBezTo>
+                <a:cubicBezTo>
+                  <a:pt x="376938" y="-2880"/>
+                  <a:pt x="227474" y="40246"/>
+                  <a:pt x="0" y="13716"/>
+                </a:cubicBezTo>
+                <a:cubicBezTo>
+                  <a:pt x="469" y="7851"/>
+                  <a:pt x="200" y="5770"/>
+                  <a:pt x="0" y="0"/>
+                </a:cubicBezTo>
+                <a:close/>
+              </a:path>
+            </a:pathLst>
+          </a:custGeom>
+          <a:solidFill>
+            <a:srgbClr val="FFFFFF"/>
+          </a:solidFill>
+          <a:ln w="41275" cap="rnd">
+            <a:solidFill>
+              <a:srgbClr val="FFFFFF"/>
+            </a:solidFill>
+            <a:round/>
+            <a:extLst>
+              <a:ext uri="{C807C97D-BFC1-408E-A445-0C87EB9F89A2}">
+                <ask:lineSketchStyleProps xmlns:ask="http://schemas.microsoft.com/office/drawing/2018/sketchyshapes" sd="1219033472">
+                  <a:prstGeom prst="rect">
+                    <a:avLst/>
+                  </a:prstGeom>
+                  <ask:type>
+                    <ask:lineSketchFreehand/>
+                  </ask:type>
+                </ask:lineSketchStyleProps>
+              </a:ext>
+            </a:extLst>
+          </a:ln>
+        </p:spPr>
+        <p:style>
+          <a:lnRef idx="2">
+            <a:schemeClr val="accent1">
+              <a:shade val="50000"/>
+            </a:schemeClr>
+          </a:lnRef>
+          <a:fillRef idx="1">
+            <a:schemeClr val="accent1"/>
+          </a:fillRef>
+          <a:effectRef idx="0">
+            <a:schemeClr val="accent1"/>
+          </a:effectRef>
+          <a:fontRef idx="minor">
+            <a:schemeClr val="lt1"/>
+          </a:fontRef>
+        </p:style>
+        <p:txBody>
+          <a:bodyPr rtlCol="0" anchor="ctr"/>
+          <a:lstStyle/>
+          <a:p>
+            <a:pPr algn="ctr"/>
+            <a:endParaRPr lang="en-US"/>
+          </a:p>
+        </p:txBody>
+      </p:sp>
+      <p:sp>
+        <p:nvSpPr>
+          <p:cNvPr id="6" name="Content Placeholder 2">
+            <a:extLst>
+              <a:ext uri="{FF2B5EF4-FFF2-40B4-BE49-F238E27FC236}">
+                <a16:creationId xmlns:a16="http://schemas.microsoft.com/office/drawing/2014/main" id="{AEC62EE2-1E9E-F588-91E5-BD3B97935B1C}"/>
+              </a:ext>
+            </a:extLst>
+          </p:cNvPr>
+          <p:cNvSpPr txBox="1">
+            <a:spLocks/>
+          </p:cNvSpPr>
+          <p:nvPr/>
+        </p:nvSpPr>
+        <p:spPr>
+          <a:xfrm>
+            <a:off x="3445959" y="561879"/>
+            <a:ext cx="5224839" cy="1200150"/>
+          </a:xfrm>
+          <a:prstGeom prst="rect">
+            <a:avLst/>
+          </a:prstGeom>
+        </p:spPr>
+        <p:txBody>
+          <a:bodyPr vert="horz" lIns="91440" tIns="45720" rIns="91440" bIns="45720" rtlCol="0" anchor="ctr">
+            <a:normAutofit/>
+          </a:bodyPr>
+          <a:lstStyle>
+            <a:lvl1pPr marL="342900" indent="-342900" algn="l" defTabSz="914400" rtl="0" eaLnBrk="1" latinLnBrk="0" hangingPunct="1">
+              <a:spcBef>
+                <a:spcPct val="20000"/>
+              </a:spcBef>
+              <a:buFont typeface="Arial" panose="020B0604020202020204" pitchFamily="34" charset="0"/>
+              <a:buChar char="•"/>
+              <a:defRPr sz="3200" kern="1200">
+                <a:solidFill>
+                  <a:schemeClr val="tx1"/>
+                </a:solidFill>
+                <a:latin typeface="+mn-lt"/>
+                <a:ea typeface="+mn-ea"/>
+                <a:cs typeface="+mn-cs"/>
+              </a:defRPr>
+            </a:lvl1pPr>
+            <a:lvl2pPr marL="742950" indent="-285750" algn="l" defTabSz="914400" rtl="0" eaLnBrk="1" latinLnBrk="0" hangingPunct="1">
+              <a:spcBef>
+                <a:spcPct val="20000"/>
+              </a:spcBef>
+              <a:buFont typeface="Arial" panose="020B0604020202020204" pitchFamily="34" charset="0"/>
+              <a:buChar char="–"/>
+              <a:defRPr sz="2800" kern="1200">
+                <a:solidFill>
+                  <a:schemeClr val="tx1"/>
+                </a:solidFill>
+                <a:latin typeface="+mn-lt"/>
+                <a:ea typeface="+mn-ea"/>
+                <a:cs typeface="+mn-cs"/>
+              </a:defRPr>
+            </a:lvl2pPr>
+            <a:lvl3pPr marL="1143000" indent="-228600" algn="l" defTabSz="914400" rtl="0" eaLnBrk="1" latinLnBrk="0" hangingPunct="1">
+              <a:spcBef>
+                <a:spcPct val="20000"/>
+              </a:spcBef>
+              <a:buFont typeface="Arial" panose="020B0604020202020204" pitchFamily="34" charset="0"/>
+              <a:buChar char="•"/>
+              <a:defRPr sz="2400" kern="1200">
+                <a:solidFill>
+                  <a:schemeClr val="tx1"/>
+                </a:solidFill>
+                <a:latin typeface="+mn-lt"/>
+                <a:ea typeface="+mn-ea"/>
+                <a:cs typeface="+mn-cs"/>
+              </a:defRPr>
+            </a:lvl3pPr>
+            <a:lvl4pPr marL="1600200" indent="-228600" algn="l" defTabSz="914400" rtl="0" eaLnBrk="1" latinLnBrk="0" hangingPunct="1">
+              <a:spcBef>
+                <a:spcPct val="20000"/>
+              </a:spcBef>
+              <a:buFont typeface="Arial" panose="020B0604020202020204" pitchFamily="34" charset="0"/>
+              <a:buChar char="–"/>
+              <a:defRPr sz="2000" kern="1200">
+                <a:solidFill>
+                  <a:schemeClr val="tx1"/>
+                </a:solidFill>
+                <a:latin typeface="+mn-lt"/>
+                <a:ea typeface="+mn-ea"/>
+                <a:cs typeface="+mn-cs"/>
+              </a:defRPr>
+            </a:lvl4pPr>
+            <a:lvl5pPr marL="2057400" indent="-228600" algn="l" defTabSz="914400" rtl="0" eaLnBrk="1" latinLnBrk="0" hangingPunct="1">
+              <a:spcBef>
+                <a:spcPct val="20000"/>
+              </a:spcBef>
+              <a:buFont typeface="Arial" panose="020B0604020202020204" pitchFamily="34" charset="0"/>
+              <a:buChar char="»"/>
+              <a:defRPr sz="2000" kern="1200">
+                <a:solidFill>
+                  <a:schemeClr val="tx1"/>
+                </a:solidFill>
+                <a:latin typeface="+mn-lt"/>
+                <a:ea typeface="+mn-ea"/>
+                <a:cs typeface="+mn-cs"/>
+              </a:defRPr>
+            </a:lvl5pPr>
+            <a:lvl6pPr marL="2514600" indent="-228600" algn="l" defTabSz="914400" rtl="0" eaLnBrk="1" latinLnBrk="0" hangingPunct="1">
+              <a:spcBef>
+                <a:spcPct val="20000"/>
+              </a:spcBef>
+              <a:buFont typeface="Arial" panose="020B0604020202020204" pitchFamily="34" charset="0"/>
+              <a:buChar char="•"/>
+              <a:defRPr sz="2000" kern="1200">
+                <a:solidFill>
+                  <a:schemeClr val="tx1"/>
+                </a:solidFill>
+                <a:latin typeface="+mn-lt"/>
+                <a:ea typeface="+mn-ea"/>
+                <a:cs typeface="+mn-cs"/>
+              </a:defRPr>
+            </a:lvl6pPr>
+            <a:lvl7pPr marL="2971800" indent="-228600" algn="l" defTabSz="914400" rtl="0" eaLnBrk="1" latinLnBrk="0" hangingPunct="1">
+              <a:spcBef>
+                <a:spcPct val="20000"/>
+              </a:spcBef>
+              <a:buFont typeface="Arial" panose="020B0604020202020204" pitchFamily="34" charset="0"/>
+              <a:buChar char="•"/>
+              <a:defRPr sz="2000" kern="1200">
+                <a:solidFill>
+                  <a:schemeClr val="tx1"/>
+                </a:solidFill>
+                <a:latin typeface="+mn-lt"/>
+                <a:ea typeface="+mn-ea"/>
+                <a:cs typeface="+mn-cs"/>
+              </a:defRPr>
+            </a:lvl7pPr>
+            <a:lvl8pPr marL="3429000" indent="-228600" algn="l" defTabSz="914400" rtl="0" eaLnBrk="1" latinLnBrk="0" hangingPunct="1">
+              <a:spcBef>
+                <a:spcPct val="20000"/>
+              </a:spcBef>
+              <a:buFont typeface="Arial" panose="020B0604020202020204" pitchFamily="34" charset="0"/>
+              <a:buChar char="•"/>
+              <a:defRPr sz="2000" kern="1200">
+                <a:solidFill>
+                  <a:schemeClr val="tx1"/>
+                </a:solidFill>
+                <a:latin typeface="+mn-lt"/>
+                <a:ea typeface="+mn-ea"/>
+                <a:cs typeface="+mn-cs"/>
+              </a:defRPr>
+            </a:lvl8pPr>
+            <a:lvl9pPr marL="3886200" indent="-228600" algn="l" defTabSz="914400" rtl="0" eaLnBrk="1" latinLnBrk="0" hangingPunct="1">
+              <a:spcBef>
+                <a:spcPct val="20000"/>
+              </a:spcBef>
+              <a:buFont typeface="Arial" panose="020B0604020202020204" pitchFamily="34" charset="0"/>
+              <a:buChar char="•"/>
+              <a:defRPr sz="2000" kern="1200">
+                <a:solidFill>
+                  <a:schemeClr val="tx1"/>
+                </a:solidFill>
+                <a:latin typeface="+mn-lt"/>
+                <a:ea typeface="+mn-ea"/>
+                <a:cs typeface="+mn-cs"/>
+              </a:defRPr>
+            </a:lvl9pPr>
+          </a:lstStyle>
+          <a:p>
+            <a:pPr marL="0" indent="-228600">
+              <a:lnSpc>
+                <a:spcPct val="90000"/>
+              </a:lnSpc>
+            </a:pPr>
+            <a:r>
+              <a:rPr lang="en-US" sz="1100">
+                <a:solidFill>
+                  <a:srgbClr val="FFFFFF"/>
+                </a:solidFill>
+              </a:rPr>
+              <a:t>Red(Player): have movement limit and action limit. </a:t>
+            </a:r>
+          </a:p>
+          <a:p>
+            <a:pPr marL="0" indent="-228600">
+              <a:lnSpc>
+                <a:spcPct val="90000"/>
+              </a:lnSpc>
+            </a:pPr>
+            <a:endParaRPr lang="en-US" sz="1100">
+              <a:solidFill>
+                <a:srgbClr val="FFFFFF"/>
+              </a:solidFill>
+            </a:endParaRPr>
+          </a:p>
+          <a:p>
+            <a:pPr marL="0" indent="-228600">
+              <a:lnSpc>
+                <a:spcPct val="90000"/>
+              </a:lnSpc>
+            </a:pPr>
+            <a:r>
+              <a:rPr lang="en-US" sz="1100">
+                <a:solidFill>
+                  <a:srgbClr val="FFFFFF"/>
+                </a:solidFill>
+              </a:rPr>
+              <a:t>Blue(Monster): Require action limit. </a:t>
+            </a:r>
+          </a:p>
+          <a:p>
+            <a:pPr marL="0" indent="-228600">
+              <a:lnSpc>
+                <a:spcPct val="90000"/>
+              </a:lnSpc>
+            </a:pPr>
+            <a:endParaRPr lang="en-US" sz="1100">
+              <a:solidFill>
+                <a:srgbClr val="FFFFFF"/>
+              </a:solidFill>
+            </a:endParaRPr>
+          </a:p>
+          <a:p>
+            <a:pPr marL="0" indent="-228600">
+              <a:lnSpc>
+                <a:spcPct val="90000"/>
+              </a:lnSpc>
+            </a:pPr>
+            <a:r>
+              <a:rPr lang="en-US" sz="1100">
+                <a:solidFill>
+                  <a:srgbClr val="FFFFFF"/>
+                </a:solidFill>
+              </a:rPr>
+              <a:t>Green(Moving): Can move  direction except diagonal. Requite movement limit. Find short cut.</a:t>
+            </a:r>
+          </a:p>
+        </p:txBody>
+      </p:sp>
+      <p:pic>
+        <p:nvPicPr>
+          <p:cNvPr id="15" name="그림 14" descr="만화 영화이(가) 표시된 사진&#10;&#10;자동 생성된 설명">
+            <a:extLst>
+              <a:ext uri="{FF2B5EF4-FFF2-40B4-BE49-F238E27FC236}">
+                <a16:creationId xmlns:a16="http://schemas.microsoft.com/office/drawing/2014/main" id="{9BF8FB4E-765F-4B3D-6E72-B4A025BB58DE}"/>
+              </a:ext>
+            </a:extLst>
+          </p:cNvPr>
+          <p:cNvPicPr>
+            <a:picLocks noChangeAspect="1"/>
+          </p:cNvPicPr>
+          <p:nvPr/>
+        </p:nvPicPr>
+        <p:blipFill>
+          <a:blip r:embed="rId2">
+            <a:extLst>
+              <a:ext uri="{28A0092B-C50C-407E-A947-70E740481C1C}">
+                <a14:useLocalDpi xmlns:a14="http://schemas.microsoft.com/office/drawing/2010/main" val="0"/>
+              </a:ext>
+            </a:extLst>
+          </a:blip>
+          <a:stretch>
+            <a:fillRect/>
+          </a:stretch>
+        </p:blipFill>
+        <p:spPr>
+          <a:xfrm>
+            <a:off x="1278836" y="2778445"/>
+            <a:ext cx="1115207" cy="1510176"/>
+          </a:xfrm>
+          <a:prstGeom prst="rect">
+            <a:avLst/>
+          </a:prstGeom>
+        </p:spPr>
+      </p:pic>
+      <p:pic>
+        <p:nvPicPr>
+          <p:cNvPr id="13" name="그림 12" descr="만화 영화이(가) 표시된 사진&#10;&#10;자동 생성된 설명">
+            <a:extLst>
+              <a:ext uri="{FF2B5EF4-FFF2-40B4-BE49-F238E27FC236}">
+                <a16:creationId xmlns:a16="http://schemas.microsoft.com/office/drawing/2014/main" id="{B9FFA262-CA18-D974-4839-EE6EC94D9016}"/>
+              </a:ext>
+            </a:extLst>
+          </p:cNvPr>
+          <p:cNvPicPr>
+            <a:picLocks noChangeAspect="1"/>
+          </p:cNvPicPr>
+          <p:nvPr/>
+        </p:nvPicPr>
+        <p:blipFill>
+          <a:blip r:embed="rId3">
+            <a:extLst>
+              <a:ext uri="{28A0092B-C50C-407E-A947-70E740481C1C}">
+                <a14:useLocalDpi xmlns:a14="http://schemas.microsoft.com/office/drawing/2010/main" val="0"/>
+              </a:ext>
+            </a:extLst>
+          </a:blip>
+          <a:stretch>
+            <a:fillRect/>
+          </a:stretch>
+        </p:blipFill>
+        <p:spPr>
+          <a:xfrm>
+            <a:off x="2522059" y="2776834"/>
+            <a:ext cx="1115207" cy="1486942"/>
+          </a:xfrm>
+          <a:prstGeom prst="rect">
+            <a:avLst/>
+          </a:prstGeom>
+        </p:spPr>
+      </p:pic>
+      <p:pic>
+        <p:nvPicPr>
+          <p:cNvPr id="17" name="그림 16" descr="흑백, 모노크롬이(가) 표시된 사진&#10;&#10;낮은 신뢰도로 자동 생성된 설명">
+            <a:extLst>
+              <a:ext uri="{FF2B5EF4-FFF2-40B4-BE49-F238E27FC236}">
+                <a16:creationId xmlns:a16="http://schemas.microsoft.com/office/drawing/2014/main" id="{99C5011E-C1C3-AABD-31C8-C1E80B9D2308}"/>
+              </a:ext>
+            </a:extLst>
+          </p:cNvPr>
+          <p:cNvPicPr>
+            <a:picLocks noChangeAspect="1"/>
+          </p:cNvPicPr>
+          <p:nvPr/>
+        </p:nvPicPr>
+        <p:blipFill>
+          <a:blip r:embed="rId4">
+            <a:extLst>
+              <a:ext uri="{28A0092B-C50C-407E-A947-70E740481C1C}">
+                <a14:useLocalDpi xmlns:a14="http://schemas.microsoft.com/office/drawing/2010/main" val="0"/>
+              </a:ext>
+            </a:extLst>
+          </a:blip>
+          <a:stretch>
+            <a:fillRect/>
+          </a:stretch>
+        </p:blipFill>
+        <p:spPr>
+          <a:xfrm>
+            <a:off x="3491880" y="2715766"/>
+            <a:ext cx="1115207" cy="1486942"/>
+          </a:xfrm>
+          <a:prstGeom prst="rect">
+            <a:avLst/>
+          </a:prstGeom>
+        </p:spPr>
+      </p:pic>
       <p:pic>
         <p:nvPicPr>
           <p:cNvPr id="5" name="내용 개체 틀 4" descr="도표, 라인, 평면도, 평행이(가) 표시된 사진&#10;&#10;자동 생성된 설명">
@@ -3515,7 +5375,7 @@
           </p:nvPr>
         </p:nvPicPr>
         <p:blipFill>
-          <a:blip r:embed="rId2" cstate="print">
+          <a:blip r:embed="rId5" cstate="print">
             <a:extLst>
               <a:ext uri="{28A0092B-C50C-407E-A947-70E740481C1C}">
                 <a14:useLocalDpi xmlns:a14="http://schemas.microsoft.com/office/drawing/2010/main" val="0"/>
@@ -3528,17 +5388,20 @@
         </p:blipFill>
         <p:spPr>
           <a:xfrm>
-            <a:off x="4139952" y="843558"/>
-            <a:ext cx="4361334" cy="4361334"/>
+            <a:off x="5314521" y="2049036"/>
+            <a:ext cx="3094464" cy="3094464"/>
           </a:xfrm>
+          <a:prstGeom prst="rect">
+            <a:avLst/>
+          </a:prstGeom>
         </p:spPr>
       </p:pic>
       <p:sp>
         <p:nvSpPr>
-          <p:cNvPr id="6" name="Content Placeholder 2">
+          <p:cNvPr id="7" name="Content Placeholder 2">
             <a:extLst>
               <a:ext uri="{FF2B5EF4-FFF2-40B4-BE49-F238E27FC236}">
-                <a16:creationId xmlns:a16="http://schemas.microsoft.com/office/drawing/2014/main" id="{AEC62EE2-1E9E-F588-91E5-BD3B97935B1C}"/>
+                <a16:creationId xmlns:a16="http://schemas.microsoft.com/office/drawing/2014/main" id="{85070F9C-3A27-B195-36AD-AA9DC4FD0D40}"/>
               </a:ext>
             </a:extLst>
           </p:cNvPr>
@@ -3549,8 +5412,8 @@
         </p:nvSpPr>
         <p:spPr>
           <a:xfrm>
-            <a:off x="457200" y="1419622"/>
-            <a:ext cx="3610744" cy="3394472"/>
+            <a:off x="6670446" y="1419622"/>
+            <a:ext cx="2098576" cy="3394472"/>
           </a:xfrm>
           <a:prstGeom prst="rect">
             <a:avLst/>
@@ -3702,328 +5565,10 @@
               <a:buFont typeface="Arial" panose="020B0604020202020204" pitchFamily="34" charset="0"/>
               <a:buNone/>
             </a:pPr>
-            <a:r>
-              <a:rPr lang="en-AU" sz="1400" dirty="0"/>
-              <a:t>Red(Player): have movement limit and action limit. </a:t>
-            </a:r>
-          </a:p>
-          <a:p>
-            <a:pPr marL="0" indent="0">
-              <a:buFont typeface="Arial" panose="020B0604020202020204" pitchFamily="34" charset="0"/>
-              <a:buNone/>
-            </a:pPr>
             <a:endParaRPr lang="en-AU" sz="1400" dirty="0"/>
           </a:p>
-          <a:p>
-            <a:pPr marL="0" indent="0">
-              <a:buFont typeface="Arial" panose="020B0604020202020204" pitchFamily="34" charset="0"/>
-              <a:buNone/>
-            </a:pPr>
-            <a:r>
-              <a:rPr lang="en-AU" sz="1400" dirty="0"/>
-              <a:t>Blue(Monster): Require action limit. </a:t>
-            </a:r>
-          </a:p>
-          <a:p>
-            <a:pPr marL="0" indent="0">
-              <a:buFont typeface="Arial" panose="020B0604020202020204" pitchFamily="34" charset="0"/>
-              <a:buNone/>
-            </a:pPr>
-            <a:endParaRPr lang="en-AU" sz="1400" dirty="0"/>
-          </a:p>
-          <a:p>
-            <a:pPr marL="0" indent="0">
-              <a:buFont typeface="Arial" panose="020B0604020202020204" pitchFamily="34" charset="0"/>
-              <a:buNone/>
-            </a:pPr>
-            <a:r>
-              <a:rPr lang="en-AU" sz="1400" dirty="0"/>
-              <a:t>Green(Moving): Can move  direction except diagonal. Requite movement limit. Find short cut.</a:t>
-            </a:r>
-          </a:p>
-        </p:txBody>
-      </p:sp>
-      <p:sp>
-        <p:nvSpPr>
-          <p:cNvPr id="7" name="Content Placeholder 2">
-            <a:extLst>
-              <a:ext uri="{FF2B5EF4-FFF2-40B4-BE49-F238E27FC236}">
-                <a16:creationId xmlns:a16="http://schemas.microsoft.com/office/drawing/2014/main" id="{85070F9C-3A27-B195-36AD-AA9DC4FD0D40}"/>
-              </a:ext>
-            </a:extLst>
-          </p:cNvPr>
-          <p:cNvSpPr txBox="1">
-            <a:spLocks/>
-          </p:cNvSpPr>
-          <p:nvPr/>
-        </p:nvSpPr>
-        <p:spPr>
-          <a:xfrm>
-            <a:off x="6670446" y="1419622"/>
-            <a:ext cx="2098576" cy="3394472"/>
-          </a:xfrm>
-          <a:prstGeom prst="rect">
-            <a:avLst/>
-          </a:prstGeom>
-        </p:spPr>
-        <p:txBody>
-          <a:bodyPr vert="horz" lIns="91440" tIns="45720" rIns="91440" bIns="45720" rtlCol="0">
-            <a:normAutofit/>
-          </a:bodyPr>
-          <a:lstStyle>
-            <a:lvl1pPr marL="342900" indent="-342900" algn="l" defTabSz="914400" rtl="0" eaLnBrk="1" latinLnBrk="0" hangingPunct="1">
-              <a:spcBef>
-                <a:spcPct val="20000"/>
-              </a:spcBef>
-              <a:buFont typeface="Arial" panose="020B0604020202020204" pitchFamily="34" charset="0"/>
-              <a:buChar char="•"/>
-              <a:defRPr sz="3200" kern="1200">
-                <a:solidFill>
-                  <a:schemeClr val="tx1"/>
-                </a:solidFill>
-                <a:latin typeface="+mn-lt"/>
-                <a:ea typeface="+mn-ea"/>
-                <a:cs typeface="+mn-cs"/>
-              </a:defRPr>
-            </a:lvl1pPr>
-            <a:lvl2pPr marL="742950" indent="-285750" algn="l" defTabSz="914400" rtl="0" eaLnBrk="1" latinLnBrk="0" hangingPunct="1">
-              <a:spcBef>
-                <a:spcPct val="20000"/>
-              </a:spcBef>
-              <a:buFont typeface="Arial" panose="020B0604020202020204" pitchFamily="34" charset="0"/>
-              <a:buChar char="–"/>
-              <a:defRPr sz="2800" kern="1200">
-                <a:solidFill>
-                  <a:schemeClr val="tx1"/>
-                </a:solidFill>
-                <a:latin typeface="+mn-lt"/>
-                <a:ea typeface="+mn-ea"/>
-                <a:cs typeface="+mn-cs"/>
-              </a:defRPr>
-            </a:lvl2pPr>
-            <a:lvl3pPr marL="1143000" indent="-228600" algn="l" defTabSz="914400" rtl="0" eaLnBrk="1" latinLnBrk="0" hangingPunct="1">
-              <a:spcBef>
-                <a:spcPct val="20000"/>
-              </a:spcBef>
-              <a:buFont typeface="Arial" panose="020B0604020202020204" pitchFamily="34" charset="0"/>
-              <a:buChar char="•"/>
-              <a:defRPr sz="2400" kern="1200">
-                <a:solidFill>
-                  <a:schemeClr val="tx1"/>
-                </a:solidFill>
-                <a:latin typeface="+mn-lt"/>
-                <a:ea typeface="+mn-ea"/>
-                <a:cs typeface="+mn-cs"/>
-              </a:defRPr>
-            </a:lvl3pPr>
-            <a:lvl4pPr marL="1600200" indent="-228600" algn="l" defTabSz="914400" rtl="0" eaLnBrk="1" latinLnBrk="0" hangingPunct="1">
-              <a:spcBef>
-                <a:spcPct val="20000"/>
-              </a:spcBef>
-              <a:buFont typeface="Arial" panose="020B0604020202020204" pitchFamily="34" charset="0"/>
-              <a:buChar char="–"/>
-              <a:defRPr sz="2000" kern="1200">
-                <a:solidFill>
-                  <a:schemeClr val="tx1"/>
-                </a:solidFill>
-                <a:latin typeface="+mn-lt"/>
-                <a:ea typeface="+mn-ea"/>
-                <a:cs typeface="+mn-cs"/>
-              </a:defRPr>
-            </a:lvl4pPr>
-            <a:lvl5pPr marL="2057400" indent="-228600" algn="l" defTabSz="914400" rtl="0" eaLnBrk="1" latinLnBrk="0" hangingPunct="1">
-              <a:spcBef>
-                <a:spcPct val="20000"/>
-              </a:spcBef>
-              <a:buFont typeface="Arial" panose="020B0604020202020204" pitchFamily="34" charset="0"/>
-              <a:buChar char="»"/>
-              <a:defRPr sz="2000" kern="1200">
-                <a:solidFill>
-                  <a:schemeClr val="tx1"/>
-                </a:solidFill>
-                <a:latin typeface="+mn-lt"/>
-                <a:ea typeface="+mn-ea"/>
-                <a:cs typeface="+mn-cs"/>
-              </a:defRPr>
-            </a:lvl5pPr>
-            <a:lvl6pPr marL="2514600" indent="-228600" algn="l" defTabSz="914400" rtl="0" eaLnBrk="1" latinLnBrk="0" hangingPunct="1">
-              <a:spcBef>
-                <a:spcPct val="20000"/>
-              </a:spcBef>
-              <a:buFont typeface="Arial" panose="020B0604020202020204" pitchFamily="34" charset="0"/>
-              <a:buChar char="•"/>
-              <a:defRPr sz="2000" kern="1200">
-                <a:solidFill>
-                  <a:schemeClr val="tx1"/>
-                </a:solidFill>
-                <a:latin typeface="+mn-lt"/>
-                <a:ea typeface="+mn-ea"/>
-                <a:cs typeface="+mn-cs"/>
-              </a:defRPr>
-            </a:lvl6pPr>
-            <a:lvl7pPr marL="2971800" indent="-228600" algn="l" defTabSz="914400" rtl="0" eaLnBrk="1" latinLnBrk="0" hangingPunct="1">
-              <a:spcBef>
-                <a:spcPct val="20000"/>
-              </a:spcBef>
-              <a:buFont typeface="Arial" panose="020B0604020202020204" pitchFamily="34" charset="0"/>
-              <a:buChar char="•"/>
-              <a:defRPr sz="2000" kern="1200">
-                <a:solidFill>
-                  <a:schemeClr val="tx1"/>
-                </a:solidFill>
-                <a:latin typeface="+mn-lt"/>
-                <a:ea typeface="+mn-ea"/>
-                <a:cs typeface="+mn-cs"/>
-              </a:defRPr>
-            </a:lvl7pPr>
-            <a:lvl8pPr marL="3429000" indent="-228600" algn="l" defTabSz="914400" rtl="0" eaLnBrk="1" latinLnBrk="0" hangingPunct="1">
-              <a:spcBef>
-                <a:spcPct val="20000"/>
-              </a:spcBef>
-              <a:buFont typeface="Arial" panose="020B0604020202020204" pitchFamily="34" charset="0"/>
-              <a:buChar char="•"/>
-              <a:defRPr sz="2000" kern="1200">
-                <a:solidFill>
-                  <a:schemeClr val="tx1"/>
-                </a:solidFill>
-                <a:latin typeface="+mn-lt"/>
-                <a:ea typeface="+mn-ea"/>
-                <a:cs typeface="+mn-cs"/>
-              </a:defRPr>
-            </a:lvl8pPr>
-            <a:lvl9pPr marL="3886200" indent="-228600" algn="l" defTabSz="914400" rtl="0" eaLnBrk="1" latinLnBrk="0" hangingPunct="1">
-              <a:spcBef>
-                <a:spcPct val="20000"/>
-              </a:spcBef>
-              <a:buFont typeface="Arial" panose="020B0604020202020204" pitchFamily="34" charset="0"/>
-              <a:buChar char="•"/>
-              <a:defRPr sz="2000" kern="1200">
-                <a:solidFill>
-                  <a:schemeClr val="tx1"/>
-                </a:solidFill>
-                <a:latin typeface="+mn-lt"/>
-                <a:ea typeface="+mn-ea"/>
-                <a:cs typeface="+mn-cs"/>
-              </a:defRPr>
-            </a:lvl9pPr>
-          </a:lstStyle>
-          <a:p>
-            <a:pPr marL="0" indent="0">
-              <a:buFont typeface="Arial" panose="020B0604020202020204" pitchFamily="34" charset="0"/>
-              <a:buNone/>
-            </a:pPr>
-            <a:endParaRPr lang="en-AU" sz="1400" dirty="0"/>
-          </a:p>
-        </p:txBody>
-      </p:sp>
-      <p:pic>
-        <p:nvPicPr>
-          <p:cNvPr id="13" name="그림 12" descr="만화 영화이(가) 표시된 사진&#10;&#10;자동 생성된 설명">
-            <a:extLst>
-              <a:ext uri="{FF2B5EF4-FFF2-40B4-BE49-F238E27FC236}">
-                <a16:creationId xmlns:a16="http://schemas.microsoft.com/office/drawing/2014/main" id="{B9FFA262-CA18-D974-4839-EE6EC94D9016}"/>
-              </a:ext>
-            </a:extLst>
-          </p:cNvPr>
-          <p:cNvPicPr>
-            <a:picLocks noChangeAspect="1"/>
-          </p:cNvPicPr>
-          <p:nvPr/>
-        </p:nvPicPr>
-        <p:blipFill>
-          <a:blip r:embed="rId3">
-            <a:extLst>
-              <a:ext uri="{28A0092B-C50C-407E-A947-70E740481C1C}">
-                <a14:useLocalDpi xmlns:a14="http://schemas.microsoft.com/office/drawing/2010/main" val="0"/>
-              </a:ext>
-            </a:extLst>
-          </a:blip>
-          <a:stretch>
-            <a:fillRect/>
-          </a:stretch>
-        </p:blipFill>
-        <p:spPr>
-          <a:xfrm>
-            <a:off x="1679434" y="3549835"/>
-            <a:ext cx="957152" cy="1276202"/>
-          </a:xfrm>
-          <a:prstGeom prst="rect">
-            <a:avLst/>
-          </a:prstGeom>
-        </p:spPr>
-      </p:pic>
-      <p:pic>
-        <p:nvPicPr>
-          <p:cNvPr id="15" name="그림 14" descr="만화 영화이(가) 표시된 사진&#10;&#10;자동 생성된 설명">
-            <a:extLst>
-              <a:ext uri="{FF2B5EF4-FFF2-40B4-BE49-F238E27FC236}">
-                <a16:creationId xmlns:a16="http://schemas.microsoft.com/office/drawing/2014/main" id="{9BF8FB4E-765F-4B3D-6E72-B4A025BB58DE}"/>
-              </a:ext>
-            </a:extLst>
-          </p:cNvPr>
-          <p:cNvPicPr>
-            <a:picLocks noChangeAspect="1"/>
-          </p:cNvPicPr>
-          <p:nvPr/>
-        </p:nvPicPr>
-        <p:blipFill>
-          <a:blip r:embed="rId4">
-            <a:extLst>
-              <a:ext uri="{28A0092B-C50C-407E-A947-70E740481C1C}">
-                <a14:useLocalDpi xmlns:a14="http://schemas.microsoft.com/office/drawing/2010/main" val="0"/>
-              </a:ext>
-            </a:extLst>
-          </a:blip>
-          <a:stretch>
-            <a:fillRect/>
-          </a:stretch>
-        </p:blipFill>
-        <p:spPr>
-          <a:xfrm>
-            <a:off x="614964" y="3529893"/>
-            <a:ext cx="957152" cy="1296144"/>
-          </a:xfrm>
-          <a:prstGeom prst="rect">
-            <a:avLst/>
-          </a:prstGeom>
-        </p:spPr>
-      </p:pic>
-      <p:pic>
-        <p:nvPicPr>
-          <p:cNvPr id="17" name="그림 16" descr="흑백, 모노크롬이(가) 표시된 사진&#10;&#10;낮은 신뢰도로 자동 생성된 설명">
-            <a:extLst>
-              <a:ext uri="{FF2B5EF4-FFF2-40B4-BE49-F238E27FC236}">
-                <a16:creationId xmlns:a16="http://schemas.microsoft.com/office/drawing/2014/main" id="{99C5011E-C1C3-AABD-31C8-C1E80B9D2308}"/>
-              </a:ext>
-            </a:extLst>
-          </p:cNvPr>
-          <p:cNvPicPr>
-            <a:picLocks noChangeAspect="1"/>
-          </p:cNvPicPr>
-          <p:nvPr/>
-        </p:nvPicPr>
-        <p:blipFill>
-          <a:blip r:embed="rId5">
-            <a:extLst>
-              <a:ext uri="{28A0092B-C50C-407E-A947-70E740481C1C}">
-                <a14:useLocalDpi xmlns:a14="http://schemas.microsoft.com/office/drawing/2010/main" val="0"/>
-              </a:ext>
-            </a:extLst>
-          </a:blip>
-          <a:stretch>
-            <a:fillRect/>
-          </a:stretch>
-        </p:blipFill>
-        <p:spPr>
-          <a:xfrm>
-            <a:off x="2539113" y="3508067"/>
-            <a:ext cx="957152" cy="1276202"/>
-          </a:xfrm>
-          <a:prstGeom prst="rect">
-            <a:avLst/>
-          </a:prstGeom>
-        </p:spPr>
-      </p:pic>
+        </p:txBody>
+      </p:sp>
     </p:spTree>
     <p:extLst>
       <p:ext uri="{BB962C8B-B14F-4D97-AF65-F5344CB8AC3E}">
@@ -4040,6 +5585,14 @@
 <file path=ppt/slides/slide5.xml><?xml version="1.0" encoding="utf-8"?>
 <p:sld xmlns:a="http://schemas.openxmlformats.org/drawingml/2006/main" xmlns:r="http://schemas.openxmlformats.org/officeDocument/2006/relationships" xmlns:p="http://schemas.openxmlformats.org/presentationml/2006/main">
   <p:cSld>
+    <p:bg>
+      <p:bgPr>
+        <a:solidFill>
+          <a:schemeClr val="bg1"/>
+        </a:solidFill>
+        <a:effectLst/>
+      </p:bgPr>
+    </p:bg>
     <p:spTree>
       <p:nvGrpSpPr>
         <p:cNvPr id="1" name=""/>
@@ -4054,6 +5607,200 @@
           <a:chExt cx="0" cy="0"/>
         </a:xfrm>
       </p:grpSpPr>
+      <p:sp useBgFill="1">
+        <p:nvSpPr>
+          <p:cNvPr id="8" name="Rectangle 7">
+            <a:extLst>
+              <a:ext uri="{FF2B5EF4-FFF2-40B4-BE49-F238E27FC236}">
+                <a16:creationId xmlns:a16="http://schemas.microsoft.com/office/drawing/2014/main" id="{907EF6B7-1338-4443-8C46-6A318D952DFD}"/>
+              </a:ext>
+              <a:ext uri="{C183D7F6-B498-43B3-948B-1728B52AA6E4}">
+                <adec:decorative xmlns:adec="http://schemas.microsoft.com/office/drawing/2017/decorative" val="1"/>
+              </a:ext>
+            </a:extLst>
+          </p:cNvPr>
+          <p:cNvSpPr>
+            <a:spLocks noGrp="1" noRot="1" noChangeAspect="1" noMove="1" noResize="1" noEditPoints="1" noAdjustHandles="1" noChangeArrowheads="1" noChangeShapeType="1" noTextEdit="1"/>
+          </p:cNvSpPr>
+          <p:nvPr>
+            <p:extLst>
+              <p:ext uri="{386F3935-93C4-4BCD-93E2-E3B085C9AB24}">
+                <p16:designElem xmlns:p16="http://schemas.microsoft.com/office/powerpoint/2015/main" val="1"/>
+              </p:ext>
+            </p:extLst>
+          </p:nvPr>
+        </p:nvSpPr>
+        <p:spPr>
+          <a:xfrm>
+            <a:off x="2286" y="0"/>
+            <a:ext cx="9141714" cy="5143500"/>
+          </a:xfrm>
+          <a:prstGeom prst="rect">
+            <a:avLst/>
+          </a:prstGeom>
+          <a:ln>
+            <a:noFill/>
+          </a:ln>
+        </p:spPr>
+        <p:style>
+          <a:lnRef idx="2">
+            <a:schemeClr val="accent1">
+              <a:shade val="50000"/>
+            </a:schemeClr>
+          </a:lnRef>
+          <a:fillRef idx="1">
+            <a:schemeClr val="accent1"/>
+          </a:fillRef>
+          <a:effectRef idx="0">
+            <a:schemeClr val="accent1"/>
+          </a:effectRef>
+          <a:fontRef idx="minor">
+            <a:schemeClr val="lt1"/>
+          </a:fontRef>
+        </p:style>
+        <p:txBody>
+          <a:bodyPr rtlCol="0" anchor="ctr"/>
+          <a:lstStyle/>
+          <a:p>
+            <a:pPr algn="ctr"/>
+            <a:endParaRPr lang="en-US"/>
+          </a:p>
+        </p:txBody>
+      </p:sp>
+      <p:sp>
+        <p:nvSpPr>
+          <p:cNvPr id="10" name="Freeform: Shape 9">
+            <a:extLst>
+              <a:ext uri="{FF2B5EF4-FFF2-40B4-BE49-F238E27FC236}">
+                <a16:creationId xmlns:a16="http://schemas.microsoft.com/office/drawing/2014/main" id="{DAAE4CDD-124C-4DCF-9584-B6033B545DD5}"/>
+              </a:ext>
+              <a:ext uri="{C183D7F6-B498-43B3-948B-1728B52AA6E4}">
+                <adec:decorative xmlns:adec="http://schemas.microsoft.com/office/drawing/2017/decorative" val="1"/>
+              </a:ext>
+            </a:extLst>
+          </p:cNvPr>
+          <p:cNvSpPr>
+            <a:spLocks noGrp="1" noRot="1" noChangeAspect="1" noMove="1" noResize="1" noEditPoints="1" noAdjustHandles="1" noChangeArrowheads="1" noChangeShapeType="1" noTextEdit="1"/>
+          </p:cNvSpPr>
+          <p:nvPr>
+            <p:extLst>
+              <p:ext uri="{386F3935-93C4-4BCD-93E2-E3B085C9AB24}">
+                <p16:designElem xmlns:p16="http://schemas.microsoft.com/office/powerpoint/2015/main" val="1"/>
+              </p:ext>
+            </p:extLst>
+          </p:nvPr>
+        </p:nvSpPr>
+        <p:spPr>
+          <a:xfrm>
+            <a:off x="0" y="0"/>
+            <a:ext cx="3125454" cy="5143500"/>
+          </a:xfrm>
+          <a:custGeom>
+            <a:avLst/>
+            <a:gdLst>
+              <a:gd name="connsiteX0" fmla="*/ 0 w 4167271"/>
+              <a:gd name="connsiteY0" fmla="*/ 0 h 6858000"/>
+              <a:gd name="connsiteX1" fmla="*/ 2259550 w 4167271"/>
+              <a:gd name="connsiteY1" fmla="*/ 0 h 6858000"/>
+              <a:gd name="connsiteX2" fmla="*/ 2387803 w 4167271"/>
+              <a:gd name="connsiteY2" fmla="*/ 82222 h 6858000"/>
+              <a:gd name="connsiteX3" fmla="*/ 4167271 w 4167271"/>
+              <a:gd name="connsiteY3" fmla="*/ 3429000 h 6858000"/>
+              <a:gd name="connsiteX4" fmla="*/ 2387803 w 4167271"/>
+              <a:gd name="connsiteY4" fmla="*/ 6775779 h 6858000"/>
+              <a:gd name="connsiteX5" fmla="*/ 2259550 w 4167271"/>
+              <a:gd name="connsiteY5" fmla="*/ 6858000 h 6858000"/>
+              <a:gd name="connsiteX6" fmla="*/ 0 w 4167271"/>
+              <a:gd name="connsiteY6" fmla="*/ 6858000 h 6858000"/>
+            </a:gdLst>
+            <a:ahLst/>
+            <a:cxnLst>
+              <a:cxn ang="0">
+                <a:pos x="connsiteX0" y="connsiteY0"/>
+              </a:cxn>
+              <a:cxn ang="0">
+                <a:pos x="connsiteX1" y="connsiteY1"/>
+              </a:cxn>
+              <a:cxn ang="0">
+                <a:pos x="connsiteX2" y="connsiteY2"/>
+              </a:cxn>
+              <a:cxn ang="0">
+                <a:pos x="connsiteX3" y="connsiteY3"/>
+              </a:cxn>
+              <a:cxn ang="0">
+                <a:pos x="connsiteX4" y="connsiteY4"/>
+              </a:cxn>
+              <a:cxn ang="0">
+                <a:pos x="connsiteX5" y="connsiteY5"/>
+              </a:cxn>
+              <a:cxn ang="0">
+                <a:pos x="connsiteX6" y="connsiteY6"/>
+              </a:cxn>
+            </a:cxnLst>
+            <a:rect l="l" t="t" r="r" b="b"/>
+            <a:pathLst>
+              <a:path w="4167271" h="6858000">
+                <a:moveTo>
+                  <a:pt x="0" y="0"/>
+                </a:moveTo>
+                <a:lnTo>
+                  <a:pt x="2259550" y="0"/>
+                </a:lnTo>
+                <a:lnTo>
+                  <a:pt x="2387803" y="82222"/>
+                </a:lnTo>
+                <a:cubicBezTo>
+                  <a:pt x="3461407" y="807534"/>
+                  <a:pt x="4167271" y="2035835"/>
+                  <a:pt x="4167271" y="3429000"/>
+                </a:cubicBezTo>
+                <a:cubicBezTo>
+                  <a:pt x="4167271" y="4822165"/>
+                  <a:pt x="3461407" y="6050467"/>
+                  <a:pt x="2387803" y="6775779"/>
+                </a:cubicBezTo>
+                <a:lnTo>
+                  <a:pt x="2259550" y="6858000"/>
+                </a:lnTo>
+                <a:lnTo>
+                  <a:pt x="0" y="6858000"/>
+                </a:lnTo>
+                <a:close/>
+              </a:path>
+            </a:pathLst>
+          </a:custGeom>
+          <a:solidFill>
+            <a:schemeClr val="accent2"/>
+          </a:solidFill>
+          <a:ln>
+            <a:noFill/>
+          </a:ln>
+        </p:spPr>
+        <p:style>
+          <a:lnRef idx="2">
+            <a:schemeClr val="accent1">
+              <a:shade val="50000"/>
+            </a:schemeClr>
+          </a:lnRef>
+          <a:fillRef idx="1">
+            <a:schemeClr val="accent1"/>
+          </a:fillRef>
+          <a:effectRef idx="0">
+            <a:schemeClr val="accent1"/>
+          </a:effectRef>
+          <a:fontRef idx="minor">
+            <a:schemeClr val="lt1"/>
+          </a:fontRef>
+        </p:style>
+        <p:txBody>
+          <a:bodyPr rtlCol="0" anchor="ctr"/>
+          <a:lstStyle/>
+          <a:p>
+            <a:pPr algn="ctr"/>
+            <a:endParaRPr lang="en-US"/>
+          </a:p>
+        </p:txBody>
+      </p:sp>
       <p:sp>
         <p:nvSpPr>
           <p:cNvPr id="2" name="Title 1"/>
@@ -4064,89 +5811,172 @@
             <p:ph type="title"/>
           </p:nvPr>
         </p:nvSpPr>
-        <p:spPr/>
-        <p:txBody>
-          <a:bodyPr/>
-          <a:lstStyle/>
-          <a:p>
-            <a:r>
-              <a:rPr lang="en-AU" dirty="0"/>
-              <a:t>Mechanics</a:t>
-            </a:r>
-          </a:p>
-        </p:txBody>
-      </p:sp>
-      <p:sp>
-        <p:nvSpPr>
-          <p:cNvPr id="3" name="Content Placeholder 2"/>
-          <p:cNvSpPr>
-            <a:spLocks noGrp="1"/>
-          </p:cNvSpPr>
-          <p:nvPr>
-            <p:ph idx="1"/>
-          </p:nvPr>
-        </p:nvSpPr>
-        <p:spPr/>
-        <p:txBody>
-          <a:bodyPr/>
-          <a:lstStyle/>
-          <a:p>
-            <a:pPr marL="0" indent="0">
-              <a:buNone/>
-            </a:pPr>
-            <a:r>
-              <a:rPr lang="en-AU" sz="2400" dirty="0"/>
-              <a:t>There is no health…But!</a:t>
-            </a:r>
-          </a:p>
-          <a:p>
-            <a:pPr marL="0" indent="0">
-              <a:buNone/>
-            </a:pPr>
-            <a:endParaRPr lang="en-AU" sz="2400" dirty="0"/>
-          </a:p>
-          <a:p>
-            <a:pPr marL="0" indent="0">
-              <a:buNone/>
-            </a:pPr>
-            <a:r>
-              <a:rPr lang="en-AU" sz="2400" dirty="0"/>
-              <a:t>Movement limit: When you move one space at a time, one will be exhausted. </a:t>
-            </a:r>
-            <a:r>
-              <a:rPr lang="en-AU" sz="2400" dirty="0">
+        <p:spPr>
+          <a:xfrm>
+            <a:off x="515125" y="865179"/>
+            <a:ext cx="2400300" cy="3345872"/>
+          </a:xfrm>
+        </p:spPr>
+        <p:txBody>
+          <a:bodyPr>
+            <a:normAutofit/>
+          </a:bodyPr>
+          <a:lstStyle/>
+          <a:p>
+            <a:r>
+              <a:rPr lang="en-AU" sz="3700">
                 <a:solidFill>
-                  <a:srgbClr val="FF0000"/>
+                  <a:srgbClr val="FFFFFF"/>
                 </a:solidFill>
               </a:rPr>
-              <a:t>If you use up all these limit, you die on the field!</a:t>
-            </a:r>
-          </a:p>
+              <a:t>Mechanics</a:t>
+            </a:r>
+          </a:p>
+        </p:txBody>
+      </p:sp>
+      <p:sp>
+        <p:nvSpPr>
+          <p:cNvPr id="12" name="Arc 11">
+            <a:extLst>
+              <a:ext uri="{FF2B5EF4-FFF2-40B4-BE49-F238E27FC236}">
+                <a16:creationId xmlns:a16="http://schemas.microsoft.com/office/drawing/2014/main" id="{081E4A58-353D-44AE-B2FC-2A74E2E400F7}"/>
+              </a:ext>
+              <a:ext uri="{C183D7F6-B498-43B3-948B-1728B52AA6E4}">
+                <adec:decorative xmlns:adec="http://schemas.microsoft.com/office/drawing/2017/decorative" val="1"/>
+              </a:ext>
+            </a:extLst>
+          </p:cNvPr>
+          <p:cNvSpPr>
+            <a:spLocks noGrp="1" noRot="1" noChangeAspect="1" noMove="1" noResize="1" noEditPoints="1" noAdjustHandles="1" noChangeArrowheads="1" noChangeShapeType="1" noTextEdit="1"/>
+          </p:cNvSpPr>
+          <p:nvPr>
+            <p:extLst>
+              <p:ext uri="{386F3935-93C4-4BCD-93E2-E3B085C9AB24}">
+                <p16:designElem xmlns:p16="http://schemas.microsoft.com/office/powerpoint/2015/main" val="1"/>
+              </p:ext>
+            </p:extLst>
+          </p:nvPr>
+        </p:nvSpPr>
+        <p:spPr>
+          <a:xfrm flipV="1">
+            <a:off x="5662801" y="1841609"/>
+            <a:ext cx="3062575" cy="3062575"/>
+          </a:xfrm>
+          <a:prstGeom prst="arc">
+            <a:avLst/>
+          </a:prstGeom>
+          <a:ln w="127000" cap="rnd">
+            <a:solidFill>
+              <a:schemeClr val="accent4"/>
+            </a:solidFill>
+            <a:prstDash val="dash"/>
+          </a:ln>
+        </p:spPr>
+        <p:style>
+          <a:lnRef idx="1">
+            <a:schemeClr val="accent1"/>
+          </a:lnRef>
+          <a:fillRef idx="0">
+            <a:schemeClr val="accent1"/>
+          </a:fillRef>
+          <a:effectRef idx="0">
+            <a:schemeClr val="accent1"/>
+          </a:effectRef>
+          <a:fontRef idx="minor">
+            <a:schemeClr val="tx1"/>
+          </a:fontRef>
+        </p:style>
+        <p:txBody>
+          <a:bodyPr rtlCol="0" anchor="ctr"/>
+          <a:lstStyle/>
+          <a:p>
+            <a:pPr algn="ctr"/>
+            <a:endParaRPr lang="en-US" dirty="0"/>
+          </a:p>
+        </p:txBody>
+      </p:sp>
+      <p:sp>
+        <p:nvSpPr>
+          <p:cNvPr id="3" name="Content Placeholder 2"/>
+          <p:cNvSpPr>
+            <a:spLocks noGrp="1"/>
+          </p:cNvSpPr>
+          <p:nvPr>
+            <p:ph idx="1"/>
+          </p:nvPr>
+        </p:nvSpPr>
+        <p:spPr>
+          <a:xfrm>
+            <a:off x="3335481" y="443508"/>
+            <a:ext cx="5179868" cy="4189214"/>
+          </a:xfrm>
+        </p:spPr>
+        <p:txBody>
+          <a:bodyPr anchor="ctr">
+            <a:normAutofit/>
+          </a:bodyPr>
+          <a:lstStyle/>
           <a:p>
             <a:pPr marL="0" indent="0">
+              <a:lnSpc>
+                <a:spcPct val="90000"/>
+              </a:lnSpc>
               <a:buNone/>
             </a:pPr>
-            <a:endParaRPr lang="en-AU" sz="2400" dirty="0"/>
+            <a:r>
+              <a:rPr lang="en-AU" sz="2500"/>
+              <a:t>There is no health…But!</a:t>
+            </a:r>
           </a:p>
           <a:p>
             <a:pPr marL="0" indent="0">
+              <a:lnSpc>
+                <a:spcPct val="90000"/>
+              </a:lnSpc>
               <a:buNone/>
             </a:pPr>
-            <a:r>
-              <a:rPr lang="en-AU" sz="2400" dirty="0"/>
-              <a:t>Action limit: When you attack one enemy at a time, one will be exhausted. </a:t>
-            </a:r>
-            <a:r>
-              <a:rPr lang="en-AU" sz="2400" dirty="0">
-                <a:solidFill>
-                  <a:srgbClr val="FF0000"/>
-                </a:solidFill>
-              </a:rPr>
-              <a:t>If you use up all these times, you are killed by enemies!</a:t>
-            </a:r>
-          </a:p>
-          <a:p>
-            <a:endParaRPr lang="en-AU" dirty="0"/>
+            <a:endParaRPr lang="en-AU" sz="2500"/>
+          </a:p>
+          <a:p>
+            <a:pPr marL="0" indent="0">
+              <a:lnSpc>
+                <a:spcPct val="90000"/>
+              </a:lnSpc>
+              <a:buNone/>
+            </a:pPr>
+            <a:r>
+              <a:rPr lang="en-AU" sz="2500"/>
+              <a:t>Movement limit: When you move one space at a time, one will be exhausted. If you use up all these limit, you die on the field!</a:t>
+            </a:r>
+          </a:p>
+          <a:p>
+            <a:pPr marL="0" indent="0">
+              <a:lnSpc>
+                <a:spcPct val="90000"/>
+              </a:lnSpc>
+              <a:buNone/>
+            </a:pPr>
+            <a:endParaRPr lang="en-AU" sz="2500"/>
+          </a:p>
+          <a:p>
+            <a:pPr marL="0" indent="0">
+              <a:lnSpc>
+                <a:spcPct val="90000"/>
+              </a:lnSpc>
+              <a:buNone/>
+            </a:pPr>
+            <a:r>
+              <a:rPr lang="en-AU" sz="2500"/>
+              <a:t>Action limit: When you attack one enemy at a time, one will be exhausted. If you use up all these times, you are killed by enemies!</a:t>
+            </a:r>
+          </a:p>
+          <a:p>
+            <a:pPr>
+              <a:lnSpc>
+                <a:spcPct val="90000"/>
+              </a:lnSpc>
+            </a:pPr>
+            <a:endParaRPr lang="en-AU" sz="2500"/>
           </a:p>
         </p:txBody>
       </p:sp>
@@ -4166,6 +5996,14 @@
 <file path=ppt/slides/slide6.xml><?xml version="1.0" encoding="utf-8"?>
 <p:sld xmlns:a="http://schemas.openxmlformats.org/drawingml/2006/main" xmlns:r="http://schemas.openxmlformats.org/officeDocument/2006/relationships" xmlns:p="http://schemas.openxmlformats.org/presentationml/2006/main">
   <p:cSld>
+    <p:bg>
+      <p:bgPr>
+        <a:solidFill>
+          <a:schemeClr val="bg1"/>
+        </a:solidFill>
+        <a:effectLst/>
+      </p:bgPr>
+    </p:bg>
     <p:spTree>
       <p:nvGrpSpPr>
         <p:cNvPr id="1" name=""/>
@@ -4180,6 +6018,200 @@
           <a:chExt cx="0" cy="0"/>
         </a:xfrm>
       </p:grpSpPr>
+      <p:sp useBgFill="1">
+        <p:nvSpPr>
+          <p:cNvPr id="8" name="Rectangle 7">
+            <a:extLst>
+              <a:ext uri="{FF2B5EF4-FFF2-40B4-BE49-F238E27FC236}">
+                <a16:creationId xmlns:a16="http://schemas.microsoft.com/office/drawing/2014/main" id="{907EF6B7-1338-4443-8C46-6A318D952DFD}"/>
+              </a:ext>
+              <a:ext uri="{C183D7F6-B498-43B3-948B-1728B52AA6E4}">
+                <adec:decorative xmlns:adec="http://schemas.microsoft.com/office/drawing/2017/decorative" val="1"/>
+              </a:ext>
+            </a:extLst>
+          </p:cNvPr>
+          <p:cNvSpPr>
+            <a:spLocks noGrp="1" noRot="1" noChangeAspect="1" noMove="1" noResize="1" noEditPoints="1" noAdjustHandles="1" noChangeArrowheads="1" noChangeShapeType="1" noTextEdit="1"/>
+          </p:cNvSpPr>
+          <p:nvPr>
+            <p:extLst>
+              <p:ext uri="{386F3935-93C4-4BCD-93E2-E3B085C9AB24}">
+                <p16:designElem xmlns:p16="http://schemas.microsoft.com/office/powerpoint/2015/main" val="1"/>
+              </p:ext>
+            </p:extLst>
+          </p:nvPr>
+        </p:nvSpPr>
+        <p:spPr>
+          <a:xfrm>
+            <a:off x="2286" y="0"/>
+            <a:ext cx="9141714" cy="5143500"/>
+          </a:xfrm>
+          <a:prstGeom prst="rect">
+            <a:avLst/>
+          </a:prstGeom>
+          <a:ln>
+            <a:noFill/>
+          </a:ln>
+        </p:spPr>
+        <p:style>
+          <a:lnRef idx="2">
+            <a:schemeClr val="accent1">
+              <a:shade val="50000"/>
+            </a:schemeClr>
+          </a:lnRef>
+          <a:fillRef idx="1">
+            <a:schemeClr val="accent1"/>
+          </a:fillRef>
+          <a:effectRef idx="0">
+            <a:schemeClr val="accent1"/>
+          </a:effectRef>
+          <a:fontRef idx="minor">
+            <a:schemeClr val="lt1"/>
+          </a:fontRef>
+        </p:style>
+        <p:txBody>
+          <a:bodyPr rtlCol="0" anchor="ctr"/>
+          <a:lstStyle/>
+          <a:p>
+            <a:pPr algn="ctr"/>
+            <a:endParaRPr lang="en-US"/>
+          </a:p>
+        </p:txBody>
+      </p:sp>
+      <p:sp>
+        <p:nvSpPr>
+          <p:cNvPr id="10" name="Freeform: Shape 9">
+            <a:extLst>
+              <a:ext uri="{FF2B5EF4-FFF2-40B4-BE49-F238E27FC236}">
+                <a16:creationId xmlns:a16="http://schemas.microsoft.com/office/drawing/2014/main" id="{DAAE4CDD-124C-4DCF-9584-B6033B545DD5}"/>
+              </a:ext>
+              <a:ext uri="{C183D7F6-B498-43B3-948B-1728B52AA6E4}">
+                <adec:decorative xmlns:adec="http://schemas.microsoft.com/office/drawing/2017/decorative" val="1"/>
+              </a:ext>
+            </a:extLst>
+          </p:cNvPr>
+          <p:cNvSpPr>
+            <a:spLocks noGrp="1" noRot="1" noChangeAspect="1" noMove="1" noResize="1" noEditPoints="1" noAdjustHandles="1" noChangeArrowheads="1" noChangeShapeType="1" noTextEdit="1"/>
+          </p:cNvSpPr>
+          <p:nvPr>
+            <p:extLst>
+              <p:ext uri="{386F3935-93C4-4BCD-93E2-E3B085C9AB24}">
+                <p16:designElem xmlns:p16="http://schemas.microsoft.com/office/powerpoint/2015/main" val="1"/>
+              </p:ext>
+            </p:extLst>
+          </p:nvPr>
+        </p:nvSpPr>
+        <p:spPr>
+          <a:xfrm>
+            <a:off x="0" y="0"/>
+            <a:ext cx="3125454" cy="5143500"/>
+          </a:xfrm>
+          <a:custGeom>
+            <a:avLst/>
+            <a:gdLst>
+              <a:gd name="connsiteX0" fmla="*/ 0 w 4167271"/>
+              <a:gd name="connsiteY0" fmla="*/ 0 h 6858000"/>
+              <a:gd name="connsiteX1" fmla="*/ 2259550 w 4167271"/>
+              <a:gd name="connsiteY1" fmla="*/ 0 h 6858000"/>
+              <a:gd name="connsiteX2" fmla="*/ 2387803 w 4167271"/>
+              <a:gd name="connsiteY2" fmla="*/ 82222 h 6858000"/>
+              <a:gd name="connsiteX3" fmla="*/ 4167271 w 4167271"/>
+              <a:gd name="connsiteY3" fmla="*/ 3429000 h 6858000"/>
+              <a:gd name="connsiteX4" fmla="*/ 2387803 w 4167271"/>
+              <a:gd name="connsiteY4" fmla="*/ 6775779 h 6858000"/>
+              <a:gd name="connsiteX5" fmla="*/ 2259550 w 4167271"/>
+              <a:gd name="connsiteY5" fmla="*/ 6858000 h 6858000"/>
+              <a:gd name="connsiteX6" fmla="*/ 0 w 4167271"/>
+              <a:gd name="connsiteY6" fmla="*/ 6858000 h 6858000"/>
+            </a:gdLst>
+            <a:ahLst/>
+            <a:cxnLst>
+              <a:cxn ang="0">
+                <a:pos x="connsiteX0" y="connsiteY0"/>
+              </a:cxn>
+              <a:cxn ang="0">
+                <a:pos x="connsiteX1" y="connsiteY1"/>
+              </a:cxn>
+              <a:cxn ang="0">
+                <a:pos x="connsiteX2" y="connsiteY2"/>
+              </a:cxn>
+              <a:cxn ang="0">
+                <a:pos x="connsiteX3" y="connsiteY3"/>
+              </a:cxn>
+              <a:cxn ang="0">
+                <a:pos x="connsiteX4" y="connsiteY4"/>
+              </a:cxn>
+              <a:cxn ang="0">
+                <a:pos x="connsiteX5" y="connsiteY5"/>
+              </a:cxn>
+              <a:cxn ang="0">
+                <a:pos x="connsiteX6" y="connsiteY6"/>
+              </a:cxn>
+            </a:cxnLst>
+            <a:rect l="l" t="t" r="r" b="b"/>
+            <a:pathLst>
+              <a:path w="4167271" h="6858000">
+                <a:moveTo>
+                  <a:pt x="0" y="0"/>
+                </a:moveTo>
+                <a:lnTo>
+                  <a:pt x="2259550" y="0"/>
+                </a:lnTo>
+                <a:lnTo>
+                  <a:pt x="2387803" y="82222"/>
+                </a:lnTo>
+                <a:cubicBezTo>
+                  <a:pt x="3461407" y="807534"/>
+                  <a:pt x="4167271" y="2035835"/>
+                  <a:pt x="4167271" y="3429000"/>
+                </a:cubicBezTo>
+                <a:cubicBezTo>
+                  <a:pt x="4167271" y="4822165"/>
+                  <a:pt x="3461407" y="6050467"/>
+                  <a:pt x="2387803" y="6775779"/>
+                </a:cubicBezTo>
+                <a:lnTo>
+                  <a:pt x="2259550" y="6858000"/>
+                </a:lnTo>
+                <a:lnTo>
+                  <a:pt x="0" y="6858000"/>
+                </a:lnTo>
+                <a:close/>
+              </a:path>
+            </a:pathLst>
+          </a:custGeom>
+          <a:solidFill>
+            <a:schemeClr val="accent2"/>
+          </a:solidFill>
+          <a:ln>
+            <a:noFill/>
+          </a:ln>
+        </p:spPr>
+        <p:style>
+          <a:lnRef idx="2">
+            <a:schemeClr val="accent1">
+              <a:shade val="50000"/>
+            </a:schemeClr>
+          </a:lnRef>
+          <a:fillRef idx="1">
+            <a:schemeClr val="accent1"/>
+          </a:fillRef>
+          <a:effectRef idx="0">
+            <a:schemeClr val="accent1"/>
+          </a:effectRef>
+          <a:fontRef idx="minor">
+            <a:schemeClr val="lt1"/>
+          </a:fontRef>
+        </p:style>
+        <p:txBody>
+          <a:bodyPr rtlCol="0" anchor="ctr"/>
+          <a:lstStyle/>
+          <a:p>
+            <a:pPr algn="ctr"/>
+            <a:endParaRPr lang="en-US"/>
+          </a:p>
+        </p:txBody>
+      </p:sp>
       <p:sp>
         <p:nvSpPr>
           <p:cNvPr id="2" name="Title 1"/>
@@ -4190,13 +6222,24 @@
             <p:ph type="title"/>
           </p:nvPr>
         </p:nvSpPr>
-        <p:spPr/>
-        <p:txBody>
-          <a:bodyPr/>
-          <a:lstStyle/>
-          <a:p>
-            <a:r>
-              <a:rPr lang="en-AU" dirty="0"/>
+        <p:spPr>
+          <a:xfrm>
+            <a:off x="515125" y="865179"/>
+            <a:ext cx="2400300" cy="3345872"/>
+          </a:xfrm>
+        </p:spPr>
+        <p:txBody>
+          <a:bodyPr>
+            <a:normAutofit/>
+          </a:bodyPr>
+          <a:lstStyle/>
+          <a:p>
+            <a:r>
+              <a:rPr lang="en-AU">
+                <a:solidFill>
+                  <a:srgbClr val="FFFFFF"/>
+                </a:solidFill>
+              </a:rPr>
               <a:t>Controls</a:t>
             </a:r>
           </a:p>
@@ -4204,6 +6247,67 @@
       </p:sp>
       <p:sp>
         <p:nvSpPr>
+          <p:cNvPr id="12" name="Arc 11">
+            <a:extLst>
+              <a:ext uri="{FF2B5EF4-FFF2-40B4-BE49-F238E27FC236}">
+                <a16:creationId xmlns:a16="http://schemas.microsoft.com/office/drawing/2014/main" id="{081E4A58-353D-44AE-B2FC-2A74E2E400F7}"/>
+              </a:ext>
+              <a:ext uri="{C183D7F6-B498-43B3-948B-1728B52AA6E4}">
+                <adec:decorative xmlns:adec="http://schemas.microsoft.com/office/drawing/2017/decorative" val="1"/>
+              </a:ext>
+            </a:extLst>
+          </p:cNvPr>
+          <p:cNvSpPr>
+            <a:spLocks noGrp="1" noRot="1" noChangeAspect="1" noMove="1" noResize="1" noEditPoints="1" noAdjustHandles="1" noChangeArrowheads="1" noChangeShapeType="1" noTextEdit="1"/>
+          </p:cNvSpPr>
+          <p:nvPr>
+            <p:extLst>
+              <p:ext uri="{386F3935-93C4-4BCD-93E2-E3B085C9AB24}">
+                <p16:designElem xmlns:p16="http://schemas.microsoft.com/office/powerpoint/2015/main" val="1"/>
+              </p:ext>
+            </p:extLst>
+          </p:nvPr>
+        </p:nvSpPr>
+        <p:spPr>
+          <a:xfrm flipV="1">
+            <a:off x="5662801" y="1841609"/>
+            <a:ext cx="3062575" cy="3062575"/>
+          </a:xfrm>
+          <a:prstGeom prst="arc">
+            <a:avLst/>
+          </a:prstGeom>
+          <a:ln w="127000" cap="rnd">
+            <a:solidFill>
+              <a:schemeClr val="accent4"/>
+            </a:solidFill>
+            <a:prstDash val="dash"/>
+          </a:ln>
+        </p:spPr>
+        <p:style>
+          <a:lnRef idx="1">
+            <a:schemeClr val="accent1"/>
+          </a:lnRef>
+          <a:fillRef idx="0">
+            <a:schemeClr val="accent1"/>
+          </a:fillRef>
+          <a:effectRef idx="0">
+            <a:schemeClr val="accent1"/>
+          </a:effectRef>
+          <a:fontRef idx="minor">
+            <a:schemeClr val="tx1"/>
+          </a:fontRef>
+        </p:style>
+        <p:txBody>
+          <a:bodyPr rtlCol="0" anchor="ctr"/>
+          <a:lstStyle/>
+          <a:p>
+            <a:pPr algn="ctr"/>
+            <a:endParaRPr lang="en-US" dirty="0"/>
+          </a:p>
+        </p:txBody>
+      </p:sp>
+      <p:sp>
+        <p:nvSpPr>
           <p:cNvPr id="3" name="Content Placeholder 2"/>
           <p:cNvSpPr>
             <a:spLocks noGrp="1"/>
@@ -4212,9 +6316,16 @@
             <p:ph idx="1"/>
           </p:nvPr>
         </p:nvSpPr>
-        <p:spPr/>
-        <p:txBody>
-          <a:bodyPr/>
+        <p:spPr>
+          <a:xfrm>
+            <a:off x="3335481" y="443508"/>
+            <a:ext cx="5179868" cy="4189214"/>
+          </a:xfrm>
+        </p:spPr>
+        <p:txBody>
+          <a:bodyPr anchor="ctr">
+            <a:normAutofit/>
+          </a:bodyPr>
           <a:lstStyle/>
           <a:p>
             <a:pPr marL="0" indent="0">
@@ -4550,17 +6661,6 @@
 </file>
 
 <file path=customXml/item2.xml><?xml version="1.0" encoding="utf-8"?>
-<p:properties xmlns:p="http://schemas.microsoft.com/office/2006/metadata/properties" xmlns:xsi="http://www.w3.org/2001/XMLSchema-instance" xmlns:pc="http://schemas.microsoft.com/office/infopath/2007/PartnerControls">
-  <documentManagement>
-    <TaxCatchAll xmlns="c2062536-d537-4933-9a68-111b11088bac" xsi:nil="true"/>
-    <lcf76f155ced4ddcb4097134ff3c332f xmlns="aabe51d3-f54d-4fdd-9fcd-70ffe0d760de">
-      <Terms xmlns="http://schemas.microsoft.com/office/infopath/2007/PartnerControls"/>
-    </lcf76f155ced4ddcb4097134ff3c332f>
-  </documentManagement>
-</p:properties>
-</file>
-
-<file path=customXml/item3.xml><?xml version="1.0" encoding="utf-8"?>
 <ct:contentTypeSchema xmlns:ct="http://schemas.microsoft.com/office/2006/metadata/contentType" xmlns:ma="http://schemas.microsoft.com/office/2006/metadata/properties/metaAttributes" ct:_="" ma:_="" ma:contentTypeName="Document" ma:contentTypeID="0x010100A5A66FD54D20CA4E9AC02DD318E94D49" ma:contentTypeVersion="18" ma:contentTypeDescription="Create a new document." ma:contentTypeScope="" ma:versionID="8da9c85c85013924f2fe133811baac30">
   <xsd:schema xmlns:xsd="http://www.w3.org/2001/XMLSchema" xmlns:xs="http://www.w3.org/2001/XMLSchema" xmlns:p="http://schemas.microsoft.com/office/2006/metadata/properties" xmlns:ns2="aabe51d3-f54d-4fdd-9fcd-70ffe0d760de" xmlns:ns3="c2062536-d537-4933-9a68-111b11088bac" targetNamespace="http://schemas.microsoft.com/office/2006/metadata/properties" ma:root="true" ma:fieldsID="c659480733ca35d2820fd858e0be32e8" ns2:_="" ns3:_="">
     <xsd:import namespace="aabe51d3-f54d-4fdd-9fcd-70ffe0d760de"/>
@@ -4815,6 +6915,17 @@
 </ct:contentTypeSchema>
 </file>
 
+<file path=customXml/item3.xml><?xml version="1.0" encoding="utf-8"?>
+<p:properties xmlns:p="http://schemas.microsoft.com/office/2006/metadata/properties" xmlns:xsi="http://www.w3.org/2001/XMLSchema-instance" xmlns:pc="http://schemas.microsoft.com/office/infopath/2007/PartnerControls">
+  <documentManagement>
+    <TaxCatchAll xmlns="c2062536-d537-4933-9a68-111b11088bac" xsi:nil="true"/>
+    <lcf76f155ced4ddcb4097134ff3c332f xmlns="aabe51d3-f54d-4fdd-9fcd-70ffe0d760de">
+      <Terms xmlns="http://schemas.microsoft.com/office/infopath/2007/PartnerControls"/>
+    </lcf76f155ced4ddcb4097134ff3c332f>
+  </documentManagement>
+</p:properties>
+</file>
+
 <file path=customXml/itemProps1.xml><?xml version="1.0" encoding="utf-8"?>
 <ds:datastoreItem xmlns:ds="http://schemas.openxmlformats.org/officeDocument/2006/customXml" ds:itemID="{1AA451AB-DB99-4CE2-88C9-802C4B0FBAEE}">
   <ds:schemaRefs>
@@ -4824,17 +6935,6 @@
 </file>
 
 <file path=customXml/itemProps2.xml><?xml version="1.0" encoding="utf-8"?>
-<ds:datastoreItem xmlns:ds="http://schemas.openxmlformats.org/officeDocument/2006/customXml" ds:itemID="{F609B18D-2022-4876-9123-83DCB7921755}">
-  <ds:schemaRefs>
-    <ds:schemaRef ds:uri="http://schemas.microsoft.com/office/2006/metadata/properties"/>
-    <ds:schemaRef ds:uri="http://schemas.microsoft.com/office/infopath/2007/PartnerControls"/>
-    <ds:schemaRef ds:uri="c2062536-d537-4933-9a68-111b11088bac"/>
-    <ds:schemaRef ds:uri="aabe51d3-f54d-4fdd-9fcd-70ffe0d760de"/>
-  </ds:schemaRefs>
-</ds:datastoreItem>
-</file>
-
-<file path=customXml/itemProps3.xml><?xml version="1.0" encoding="utf-8"?>
 <ds:datastoreItem xmlns:ds="http://schemas.openxmlformats.org/officeDocument/2006/customXml" ds:itemID="{ADD15E44-FBCD-48C2-A1E8-CD4C5C8585B4}">
   <ds:schemaRefs>
     <ds:schemaRef ds:uri="http://schemas.microsoft.com/office/2006/metadata/contentType"/>
@@ -4851,4 +6951,15 @@
     <ds:schemaRef ds:uri="http://schemas.microsoft.com/internal/obd"/>
   </ds:schemaRefs>
 </ds:datastoreItem>
+</file>
+
+<file path=customXml/itemProps3.xml><?xml version="1.0" encoding="utf-8"?>
+<ds:datastoreItem xmlns:ds="http://schemas.openxmlformats.org/officeDocument/2006/customXml" ds:itemID="{F609B18D-2022-4876-9123-83DCB7921755}">
+  <ds:schemaRefs>
+    <ds:schemaRef ds:uri="http://schemas.microsoft.com/office/2006/metadata/properties"/>
+    <ds:schemaRef ds:uri="http://schemas.microsoft.com/office/infopath/2007/PartnerControls"/>
+    <ds:schemaRef ds:uri="c2062536-d537-4933-9a68-111b11088bac"/>
+    <ds:schemaRef ds:uri="aabe51d3-f54d-4fdd-9fcd-70ffe0d760de"/>
+  </ds:schemaRefs>
+</ds:datastoreItem>
 </file>